--- a/sensibosky.pptx
+++ b/sensibosky.pptx
@@ -120,7 +120,7 @@
   </p:defaultTextStyle>
   <p:extLst>
     <p:ext uri="{EFAFB233-063F-42B5-8137-9DF3F51BA10A}">
-      <p15:sldGuideLst xmlns:p15="http://schemas.microsoft.com/office/powerpoint/2012/main" xmlns=""/>
+      <p15:sldGuideLst xmlns:p15="http://schemas.microsoft.com/office/powerpoint/2012/main"/>
     </p:ext>
   </p:extLst>
 </p:presentation>
@@ -148,7 +148,7 @@
           <p:cNvPr id="2" name="제목 1">
             <a:extLst>
               <a:ext uri="{FF2B5EF4-FFF2-40B4-BE49-F238E27FC236}">
-                <a16:creationId xmlns:a16="http://schemas.microsoft.com/office/drawing/2014/main" xmlns="" id="{448B4AAF-5DD7-4BB3-AD8D-6B41418654DD}"/>
+                <a16:creationId xmlns:a16="http://schemas.microsoft.com/office/drawing/2014/main" id="{448B4AAF-5DD7-4BB3-AD8D-6B41418654DD}"/>
               </a:ext>
             </a:extLst>
           </p:cNvPr>
@@ -185,7 +185,7 @@
           <p:cNvPr id="3" name="부제목 2">
             <a:extLst>
               <a:ext uri="{FF2B5EF4-FFF2-40B4-BE49-F238E27FC236}">
-                <a16:creationId xmlns:a16="http://schemas.microsoft.com/office/drawing/2014/main" xmlns="" id="{B8A6FDCF-35E8-4BC1-BF1B-79F65519FAD7}"/>
+                <a16:creationId xmlns:a16="http://schemas.microsoft.com/office/drawing/2014/main" id="{B8A6FDCF-35E8-4BC1-BF1B-79F65519FAD7}"/>
               </a:ext>
             </a:extLst>
           </p:cNvPr>
@@ -255,7 +255,7 @@
           <p:cNvPr id="4" name="날짜 개체 틀 3">
             <a:extLst>
               <a:ext uri="{FF2B5EF4-FFF2-40B4-BE49-F238E27FC236}">
-                <a16:creationId xmlns:a16="http://schemas.microsoft.com/office/drawing/2014/main" xmlns="" id="{F47E7FA5-9460-4BE6-BA52-B8D7746CCA6A}"/>
+                <a16:creationId xmlns:a16="http://schemas.microsoft.com/office/drawing/2014/main" id="{F47E7FA5-9460-4BE6-BA52-B8D7746CCA6A}"/>
               </a:ext>
             </a:extLst>
           </p:cNvPr>
@@ -273,8 +273,7 @@
           <a:p>
             <a:fld id="{8E66B9A0-DAE6-4752-ACF3-1660696D2271}" type="datetimeFigureOut">
               <a:rPr lang="ko-KR" altLang="en-US" smtClean="0"/>
-              <a:pPr/>
-              <a:t>2019-02-18</a:t>
+              <a:t>2019-02-01</a:t>
             </a:fld>
             <a:endParaRPr lang="ko-KR" altLang="en-US"/>
           </a:p>
@@ -285,7 +284,7 @@
           <p:cNvPr id="5" name="바닥글 개체 틀 4">
             <a:extLst>
               <a:ext uri="{FF2B5EF4-FFF2-40B4-BE49-F238E27FC236}">
-                <a16:creationId xmlns:a16="http://schemas.microsoft.com/office/drawing/2014/main" xmlns="" id="{1D2B34F0-FE19-4959-89D4-91279EFC6192}"/>
+                <a16:creationId xmlns:a16="http://schemas.microsoft.com/office/drawing/2014/main" id="{1D2B34F0-FE19-4959-89D4-91279EFC6192}"/>
               </a:ext>
             </a:extLst>
           </p:cNvPr>
@@ -310,7 +309,7 @@
           <p:cNvPr id="6" name="슬라이드 번호 개체 틀 5">
             <a:extLst>
               <a:ext uri="{FF2B5EF4-FFF2-40B4-BE49-F238E27FC236}">
-                <a16:creationId xmlns:a16="http://schemas.microsoft.com/office/drawing/2014/main" xmlns="" id="{8C5A4197-38D1-412C-8EE9-E0C3E4DBD27A}"/>
+                <a16:creationId xmlns:a16="http://schemas.microsoft.com/office/drawing/2014/main" id="{8C5A4197-38D1-412C-8EE9-E0C3E4DBD27A}"/>
               </a:ext>
             </a:extLst>
           </p:cNvPr>
@@ -328,7 +327,6 @@
           <a:p>
             <a:fld id="{C4CB5549-7AC6-4553-87B5-A46F8FB365D0}" type="slidenum">
               <a:rPr lang="ko-KR" altLang="en-US" smtClean="0"/>
-              <a:pPr/>
               <a:t>‹#›</a:t>
             </a:fld>
             <a:endParaRPr lang="ko-KR" altLang="en-US"/>
@@ -338,7 +336,7 @@
     </p:spTree>
     <p:extLst>
       <p:ext uri="{BB962C8B-B14F-4D97-AF65-F5344CB8AC3E}">
-        <p14:creationId xmlns:p14="http://schemas.microsoft.com/office/powerpoint/2010/main" xmlns="" val="744242530"/>
+        <p14:creationId xmlns:p14="http://schemas.microsoft.com/office/powerpoint/2010/main" val="744242530"/>
       </p:ext>
     </p:extLst>
   </p:cSld>
@@ -370,7 +368,7 @@
           <p:cNvPr id="2" name="제목 1">
             <a:extLst>
               <a:ext uri="{FF2B5EF4-FFF2-40B4-BE49-F238E27FC236}">
-                <a16:creationId xmlns:a16="http://schemas.microsoft.com/office/drawing/2014/main" xmlns="" id="{B966844E-8211-4632-9644-309C3A9AC238}"/>
+                <a16:creationId xmlns:a16="http://schemas.microsoft.com/office/drawing/2014/main" id="{B966844E-8211-4632-9644-309C3A9AC238}"/>
               </a:ext>
             </a:extLst>
           </p:cNvPr>
@@ -398,7 +396,7 @@
           <p:cNvPr id="3" name="세로 텍스트 개체 틀 2">
             <a:extLst>
               <a:ext uri="{FF2B5EF4-FFF2-40B4-BE49-F238E27FC236}">
-                <a16:creationId xmlns:a16="http://schemas.microsoft.com/office/drawing/2014/main" xmlns="" id="{2B20C5FB-3302-439E-B2CC-8D5A1757CF50}"/>
+                <a16:creationId xmlns:a16="http://schemas.microsoft.com/office/drawing/2014/main" id="{2B20C5FB-3302-439E-B2CC-8D5A1757CF50}"/>
               </a:ext>
             </a:extLst>
           </p:cNvPr>
@@ -455,7 +453,7 @@
           <p:cNvPr id="4" name="날짜 개체 틀 3">
             <a:extLst>
               <a:ext uri="{FF2B5EF4-FFF2-40B4-BE49-F238E27FC236}">
-                <a16:creationId xmlns:a16="http://schemas.microsoft.com/office/drawing/2014/main" xmlns="" id="{D1AA3B7F-2CB7-436B-B6B0-EDB1A4BC5243}"/>
+                <a16:creationId xmlns:a16="http://schemas.microsoft.com/office/drawing/2014/main" id="{D1AA3B7F-2CB7-436B-B6B0-EDB1A4BC5243}"/>
               </a:ext>
             </a:extLst>
           </p:cNvPr>
@@ -473,8 +471,7 @@
           <a:p>
             <a:fld id="{8E66B9A0-DAE6-4752-ACF3-1660696D2271}" type="datetimeFigureOut">
               <a:rPr lang="ko-KR" altLang="en-US" smtClean="0"/>
-              <a:pPr/>
-              <a:t>2019-02-18</a:t>
+              <a:t>2019-02-01</a:t>
             </a:fld>
             <a:endParaRPr lang="ko-KR" altLang="en-US"/>
           </a:p>
@@ -485,7 +482,7 @@
           <p:cNvPr id="5" name="바닥글 개체 틀 4">
             <a:extLst>
               <a:ext uri="{FF2B5EF4-FFF2-40B4-BE49-F238E27FC236}">
-                <a16:creationId xmlns:a16="http://schemas.microsoft.com/office/drawing/2014/main" xmlns="" id="{2A3E79E1-35AF-461E-9F35-58DED745F4FA}"/>
+                <a16:creationId xmlns:a16="http://schemas.microsoft.com/office/drawing/2014/main" id="{2A3E79E1-35AF-461E-9F35-58DED745F4FA}"/>
               </a:ext>
             </a:extLst>
           </p:cNvPr>
@@ -510,7 +507,7 @@
           <p:cNvPr id="6" name="슬라이드 번호 개체 틀 5">
             <a:extLst>
               <a:ext uri="{FF2B5EF4-FFF2-40B4-BE49-F238E27FC236}">
-                <a16:creationId xmlns:a16="http://schemas.microsoft.com/office/drawing/2014/main" xmlns="" id="{F046BE65-FF9F-4035-9AAB-7BD81603D26E}"/>
+                <a16:creationId xmlns:a16="http://schemas.microsoft.com/office/drawing/2014/main" id="{F046BE65-FF9F-4035-9AAB-7BD81603D26E}"/>
               </a:ext>
             </a:extLst>
           </p:cNvPr>
@@ -528,7 +525,6 @@
           <a:p>
             <a:fld id="{C4CB5549-7AC6-4553-87B5-A46F8FB365D0}" type="slidenum">
               <a:rPr lang="ko-KR" altLang="en-US" smtClean="0"/>
-              <a:pPr/>
               <a:t>‹#›</a:t>
             </a:fld>
             <a:endParaRPr lang="ko-KR" altLang="en-US"/>
@@ -538,7 +534,7 @@
     </p:spTree>
     <p:extLst>
       <p:ext uri="{BB962C8B-B14F-4D97-AF65-F5344CB8AC3E}">
-        <p14:creationId xmlns:p14="http://schemas.microsoft.com/office/powerpoint/2010/main" xmlns="" val="3606888686"/>
+        <p14:creationId xmlns:p14="http://schemas.microsoft.com/office/powerpoint/2010/main" val="3606888686"/>
       </p:ext>
     </p:extLst>
   </p:cSld>
@@ -570,7 +566,7 @@
           <p:cNvPr id="2" name="세로 제목 1">
             <a:extLst>
               <a:ext uri="{FF2B5EF4-FFF2-40B4-BE49-F238E27FC236}">
-                <a16:creationId xmlns:a16="http://schemas.microsoft.com/office/drawing/2014/main" xmlns="" id="{15EF6B33-6F6F-44B1-90D2-22316195B54B}"/>
+                <a16:creationId xmlns:a16="http://schemas.microsoft.com/office/drawing/2014/main" id="{15EF6B33-6F6F-44B1-90D2-22316195B54B}"/>
               </a:ext>
             </a:extLst>
           </p:cNvPr>
@@ -603,7 +599,7 @@
           <p:cNvPr id="3" name="세로 텍스트 개체 틀 2">
             <a:extLst>
               <a:ext uri="{FF2B5EF4-FFF2-40B4-BE49-F238E27FC236}">
-                <a16:creationId xmlns:a16="http://schemas.microsoft.com/office/drawing/2014/main" xmlns="" id="{4774356B-C2B2-44A4-92DF-2847E255DBEA}"/>
+                <a16:creationId xmlns:a16="http://schemas.microsoft.com/office/drawing/2014/main" id="{4774356B-C2B2-44A4-92DF-2847E255DBEA}"/>
               </a:ext>
             </a:extLst>
           </p:cNvPr>
@@ -665,7 +661,7 @@
           <p:cNvPr id="4" name="날짜 개체 틀 3">
             <a:extLst>
               <a:ext uri="{FF2B5EF4-FFF2-40B4-BE49-F238E27FC236}">
-                <a16:creationId xmlns:a16="http://schemas.microsoft.com/office/drawing/2014/main" xmlns="" id="{1C3DB2DB-C4C1-4E40-A25B-F0958DA592B4}"/>
+                <a16:creationId xmlns:a16="http://schemas.microsoft.com/office/drawing/2014/main" id="{1C3DB2DB-C4C1-4E40-A25B-F0958DA592B4}"/>
               </a:ext>
             </a:extLst>
           </p:cNvPr>
@@ -683,8 +679,7 @@
           <a:p>
             <a:fld id="{8E66B9A0-DAE6-4752-ACF3-1660696D2271}" type="datetimeFigureOut">
               <a:rPr lang="ko-KR" altLang="en-US" smtClean="0"/>
-              <a:pPr/>
-              <a:t>2019-02-18</a:t>
+              <a:t>2019-02-01</a:t>
             </a:fld>
             <a:endParaRPr lang="ko-KR" altLang="en-US"/>
           </a:p>
@@ -695,7 +690,7 @@
           <p:cNvPr id="5" name="바닥글 개체 틀 4">
             <a:extLst>
               <a:ext uri="{FF2B5EF4-FFF2-40B4-BE49-F238E27FC236}">
-                <a16:creationId xmlns:a16="http://schemas.microsoft.com/office/drawing/2014/main" xmlns="" id="{75085AD6-5CB7-48CB-B11B-A308612D22AA}"/>
+                <a16:creationId xmlns:a16="http://schemas.microsoft.com/office/drawing/2014/main" id="{75085AD6-5CB7-48CB-B11B-A308612D22AA}"/>
               </a:ext>
             </a:extLst>
           </p:cNvPr>
@@ -720,7 +715,7 @@
           <p:cNvPr id="6" name="슬라이드 번호 개체 틀 5">
             <a:extLst>
               <a:ext uri="{FF2B5EF4-FFF2-40B4-BE49-F238E27FC236}">
-                <a16:creationId xmlns:a16="http://schemas.microsoft.com/office/drawing/2014/main" xmlns="" id="{143188B3-7665-49DF-8F7F-C8B36E556F9C}"/>
+                <a16:creationId xmlns:a16="http://schemas.microsoft.com/office/drawing/2014/main" id="{143188B3-7665-49DF-8F7F-C8B36E556F9C}"/>
               </a:ext>
             </a:extLst>
           </p:cNvPr>
@@ -738,7 +733,6 @@
           <a:p>
             <a:fld id="{C4CB5549-7AC6-4553-87B5-A46F8FB365D0}" type="slidenum">
               <a:rPr lang="ko-KR" altLang="en-US" smtClean="0"/>
-              <a:pPr/>
               <a:t>‹#›</a:t>
             </a:fld>
             <a:endParaRPr lang="ko-KR" altLang="en-US"/>
@@ -748,7 +742,7 @@
     </p:spTree>
     <p:extLst>
       <p:ext uri="{BB962C8B-B14F-4D97-AF65-F5344CB8AC3E}">
-        <p14:creationId xmlns:p14="http://schemas.microsoft.com/office/powerpoint/2010/main" xmlns="" val="1137299972"/>
+        <p14:creationId xmlns:p14="http://schemas.microsoft.com/office/powerpoint/2010/main" val="1137299972"/>
       </p:ext>
     </p:extLst>
   </p:cSld>
@@ -780,7 +774,7 @@
           <p:cNvPr id="2" name="제목 1">
             <a:extLst>
               <a:ext uri="{FF2B5EF4-FFF2-40B4-BE49-F238E27FC236}">
-                <a16:creationId xmlns:a16="http://schemas.microsoft.com/office/drawing/2014/main" xmlns="" id="{40D4A330-22F9-4975-9CC5-0285ECF633B4}"/>
+                <a16:creationId xmlns:a16="http://schemas.microsoft.com/office/drawing/2014/main" id="{40D4A330-22F9-4975-9CC5-0285ECF633B4}"/>
               </a:ext>
             </a:extLst>
           </p:cNvPr>
@@ -808,7 +802,7 @@
           <p:cNvPr id="3" name="내용 개체 틀 2">
             <a:extLst>
               <a:ext uri="{FF2B5EF4-FFF2-40B4-BE49-F238E27FC236}">
-                <a16:creationId xmlns:a16="http://schemas.microsoft.com/office/drawing/2014/main" xmlns="" id="{F7573CE4-E084-46FE-A2CE-16C0C0BAA242}"/>
+                <a16:creationId xmlns:a16="http://schemas.microsoft.com/office/drawing/2014/main" id="{F7573CE4-E084-46FE-A2CE-16C0C0BAA242}"/>
               </a:ext>
             </a:extLst>
           </p:cNvPr>
@@ -865,7 +859,7 @@
           <p:cNvPr id="4" name="날짜 개체 틀 3">
             <a:extLst>
               <a:ext uri="{FF2B5EF4-FFF2-40B4-BE49-F238E27FC236}">
-                <a16:creationId xmlns:a16="http://schemas.microsoft.com/office/drawing/2014/main" xmlns="" id="{F8561371-325A-44CD-8CFA-9820F2C3F64B}"/>
+                <a16:creationId xmlns:a16="http://schemas.microsoft.com/office/drawing/2014/main" id="{F8561371-325A-44CD-8CFA-9820F2C3F64B}"/>
               </a:ext>
             </a:extLst>
           </p:cNvPr>
@@ -883,8 +877,7 @@
           <a:p>
             <a:fld id="{8E66B9A0-DAE6-4752-ACF3-1660696D2271}" type="datetimeFigureOut">
               <a:rPr lang="ko-KR" altLang="en-US" smtClean="0"/>
-              <a:pPr/>
-              <a:t>2019-02-18</a:t>
+              <a:t>2019-02-01</a:t>
             </a:fld>
             <a:endParaRPr lang="ko-KR" altLang="en-US"/>
           </a:p>
@@ -895,7 +888,7 @@
           <p:cNvPr id="5" name="바닥글 개체 틀 4">
             <a:extLst>
               <a:ext uri="{FF2B5EF4-FFF2-40B4-BE49-F238E27FC236}">
-                <a16:creationId xmlns:a16="http://schemas.microsoft.com/office/drawing/2014/main" xmlns="" id="{B5F2B6E4-09E3-4558-9FDE-34C5CA822DC2}"/>
+                <a16:creationId xmlns:a16="http://schemas.microsoft.com/office/drawing/2014/main" id="{B5F2B6E4-09E3-4558-9FDE-34C5CA822DC2}"/>
               </a:ext>
             </a:extLst>
           </p:cNvPr>
@@ -920,7 +913,7 @@
           <p:cNvPr id="6" name="슬라이드 번호 개체 틀 5">
             <a:extLst>
               <a:ext uri="{FF2B5EF4-FFF2-40B4-BE49-F238E27FC236}">
-                <a16:creationId xmlns:a16="http://schemas.microsoft.com/office/drawing/2014/main" xmlns="" id="{4A8F835C-8378-4F51-B924-0599138F7F77}"/>
+                <a16:creationId xmlns:a16="http://schemas.microsoft.com/office/drawing/2014/main" id="{4A8F835C-8378-4F51-B924-0599138F7F77}"/>
               </a:ext>
             </a:extLst>
           </p:cNvPr>
@@ -938,7 +931,6 @@
           <a:p>
             <a:fld id="{C4CB5549-7AC6-4553-87B5-A46F8FB365D0}" type="slidenum">
               <a:rPr lang="ko-KR" altLang="en-US" smtClean="0"/>
-              <a:pPr/>
               <a:t>‹#›</a:t>
             </a:fld>
             <a:endParaRPr lang="ko-KR" altLang="en-US"/>
@@ -948,7 +940,7 @@
     </p:spTree>
     <p:extLst>
       <p:ext uri="{BB962C8B-B14F-4D97-AF65-F5344CB8AC3E}">
-        <p14:creationId xmlns:p14="http://schemas.microsoft.com/office/powerpoint/2010/main" xmlns="" val="1913331186"/>
+        <p14:creationId xmlns:p14="http://schemas.microsoft.com/office/powerpoint/2010/main" val="1913331186"/>
       </p:ext>
     </p:extLst>
   </p:cSld>
@@ -980,7 +972,7 @@
           <p:cNvPr id="2" name="제목 1">
             <a:extLst>
               <a:ext uri="{FF2B5EF4-FFF2-40B4-BE49-F238E27FC236}">
-                <a16:creationId xmlns:a16="http://schemas.microsoft.com/office/drawing/2014/main" xmlns="" id="{61109A79-F2E8-43EC-B9DC-BB526D98F2FA}"/>
+                <a16:creationId xmlns:a16="http://schemas.microsoft.com/office/drawing/2014/main" id="{61109A79-F2E8-43EC-B9DC-BB526D98F2FA}"/>
               </a:ext>
             </a:extLst>
           </p:cNvPr>
@@ -1017,7 +1009,7 @@
           <p:cNvPr id="3" name="텍스트 개체 틀 2">
             <a:extLst>
               <a:ext uri="{FF2B5EF4-FFF2-40B4-BE49-F238E27FC236}">
-                <a16:creationId xmlns:a16="http://schemas.microsoft.com/office/drawing/2014/main" xmlns="" id="{1ED90D1F-EC64-4105-916F-47234F47C9DD}"/>
+                <a16:creationId xmlns:a16="http://schemas.microsoft.com/office/drawing/2014/main" id="{1ED90D1F-EC64-4105-916F-47234F47C9DD}"/>
               </a:ext>
             </a:extLst>
           </p:cNvPr>
@@ -1142,7 +1134,7 @@
           <p:cNvPr id="4" name="날짜 개체 틀 3">
             <a:extLst>
               <a:ext uri="{FF2B5EF4-FFF2-40B4-BE49-F238E27FC236}">
-                <a16:creationId xmlns:a16="http://schemas.microsoft.com/office/drawing/2014/main" xmlns="" id="{71B65FEB-85B4-4CD8-B954-9A40726B656A}"/>
+                <a16:creationId xmlns:a16="http://schemas.microsoft.com/office/drawing/2014/main" id="{71B65FEB-85B4-4CD8-B954-9A40726B656A}"/>
               </a:ext>
             </a:extLst>
           </p:cNvPr>
@@ -1160,8 +1152,7 @@
           <a:p>
             <a:fld id="{8E66B9A0-DAE6-4752-ACF3-1660696D2271}" type="datetimeFigureOut">
               <a:rPr lang="ko-KR" altLang="en-US" smtClean="0"/>
-              <a:pPr/>
-              <a:t>2019-02-18</a:t>
+              <a:t>2019-02-01</a:t>
             </a:fld>
             <a:endParaRPr lang="ko-KR" altLang="en-US"/>
           </a:p>
@@ -1172,7 +1163,7 @@
           <p:cNvPr id="5" name="바닥글 개체 틀 4">
             <a:extLst>
               <a:ext uri="{FF2B5EF4-FFF2-40B4-BE49-F238E27FC236}">
-                <a16:creationId xmlns:a16="http://schemas.microsoft.com/office/drawing/2014/main" xmlns="" id="{D224B2BD-AFEE-40C4-A32F-07E37F388FA2}"/>
+                <a16:creationId xmlns:a16="http://schemas.microsoft.com/office/drawing/2014/main" id="{D224B2BD-AFEE-40C4-A32F-07E37F388FA2}"/>
               </a:ext>
             </a:extLst>
           </p:cNvPr>
@@ -1197,7 +1188,7 @@
           <p:cNvPr id="6" name="슬라이드 번호 개체 틀 5">
             <a:extLst>
               <a:ext uri="{FF2B5EF4-FFF2-40B4-BE49-F238E27FC236}">
-                <a16:creationId xmlns:a16="http://schemas.microsoft.com/office/drawing/2014/main" xmlns="" id="{619F7DC5-C9D3-4EF5-98F8-46672F0DAF2C}"/>
+                <a16:creationId xmlns:a16="http://schemas.microsoft.com/office/drawing/2014/main" id="{619F7DC5-C9D3-4EF5-98F8-46672F0DAF2C}"/>
               </a:ext>
             </a:extLst>
           </p:cNvPr>
@@ -1215,7 +1206,6 @@
           <a:p>
             <a:fld id="{C4CB5549-7AC6-4553-87B5-A46F8FB365D0}" type="slidenum">
               <a:rPr lang="ko-KR" altLang="en-US" smtClean="0"/>
-              <a:pPr/>
               <a:t>‹#›</a:t>
             </a:fld>
             <a:endParaRPr lang="ko-KR" altLang="en-US"/>
@@ -1225,7 +1215,7 @@
     </p:spTree>
     <p:extLst>
       <p:ext uri="{BB962C8B-B14F-4D97-AF65-F5344CB8AC3E}">
-        <p14:creationId xmlns:p14="http://schemas.microsoft.com/office/powerpoint/2010/main" xmlns="" val="2724220050"/>
+        <p14:creationId xmlns:p14="http://schemas.microsoft.com/office/powerpoint/2010/main" val="2724220050"/>
       </p:ext>
     </p:extLst>
   </p:cSld>
@@ -1257,7 +1247,7 @@
           <p:cNvPr id="2" name="제목 1">
             <a:extLst>
               <a:ext uri="{FF2B5EF4-FFF2-40B4-BE49-F238E27FC236}">
-                <a16:creationId xmlns:a16="http://schemas.microsoft.com/office/drawing/2014/main" xmlns="" id="{2FACA5B6-47CA-4937-A391-A1CDA51E56B2}"/>
+                <a16:creationId xmlns:a16="http://schemas.microsoft.com/office/drawing/2014/main" id="{2FACA5B6-47CA-4937-A391-A1CDA51E56B2}"/>
               </a:ext>
             </a:extLst>
           </p:cNvPr>
@@ -1285,7 +1275,7 @@
           <p:cNvPr id="3" name="내용 개체 틀 2">
             <a:extLst>
               <a:ext uri="{FF2B5EF4-FFF2-40B4-BE49-F238E27FC236}">
-                <a16:creationId xmlns:a16="http://schemas.microsoft.com/office/drawing/2014/main" xmlns="" id="{316BFE39-F84A-474E-AA4F-F204682C8742}"/>
+                <a16:creationId xmlns:a16="http://schemas.microsoft.com/office/drawing/2014/main" id="{316BFE39-F84A-474E-AA4F-F204682C8742}"/>
               </a:ext>
             </a:extLst>
           </p:cNvPr>
@@ -1347,7 +1337,7 @@
           <p:cNvPr id="4" name="내용 개체 틀 3">
             <a:extLst>
               <a:ext uri="{FF2B5EF4-FFF2-40B4-BE49-F238E27FC236}">
-                <a16:creationId xmlns:a16="http://schemas.microsoft.com/office/drawing/2014/main" xmlns="" id="{CF03A856-253B-4A89-8FF6-1612D3C47719}"/>
+                <a16:creationId xmlns:a16="http://schemas.microsoft.com/office/drawing/2014/main" id="{CF03A856-253B-4A89-8FF6-1612D3C47719}"/>
               </a:ext>
             </a:extLst>
           </p:cNvPr>
@@ -1409,7 +1399,7 @@
           <p:cNvPr id="5" name="날짜 개체 틀 4">
             <a:extLst>
               <a:ext uri="{FF2B5EF4-FFF2-40B4-BE49-F238E27FC236}">
-                <a16:creationId xmlns:a16="http://schemas.microsoft.com/office/drawing/2014/main" xmlns="" id="{407F64E6-0497-48C0-B7D6-7E00BB83AAA7}"/>
+                <a16:creationId xmlns:a16="http://schemas.microsoft.com/office/drawing/2014/main" id="{407F64E6-0497-48C0-B7D6-7E00BB83AAA7}"/>
               </a:ext>
             </a:extLst>
           </p:cNvPr>
@@ -1427,8 +1417,7 @@
           <a:p>
             <a:fld id="{8E66B9A0-DAE6-4752-ACF3-1660696D2271}" type="datetimeFigureOut">
               <a:rPr lang="ko-KR" altLang="en-US" smtClean="0"/>
-              <a:pPr/>
-              <a:t>2019-02-18</a:t>
+              <a:t>2019-02-01</a:t>
             </a:fld>
             <a:endParaRPr lang="ko-KR" altLang="en-US"/>
           </a:p>
@@ -1439,7 +1428,7 @@
           <p:cNvPr id="6" name="바닥글 개체 틀 5">
             <a:extLst>
               <a:ext uri="{FF2B5EF4-FFF2-40B4-BE49-F238E27FC236}">
-                <a16:creationId xmlns:a16="http://schemas.microsoft.com/office/drawing/2014/main" xmlns="" id="{497C1DBE-FB5E-4A0A-B2C1-83AB570B869B}"/>
+                <a16:creationId xmlns:a16="http://schemas.microsoft.com/office/drawing/2014/main" id="{497C1DBE-FB5E-4A0A-B2C1-83AB570B869B}"/>
               </a:ext>
             </a:extLst>
           </p:cNvPr>
@@ -1464,7 +1453,7 @@
           <p:cNvPr id="7" name="슬라이드 번호 개체 틀 6">
             <a:extLst>
               <a:ext uri="{FF2B5EF4-FFF2-40B4-BE49-F238E27FC236}">
-                <a16:creationId xmlns:a16="http://schemas.microsoft.com/office/drawing/2014/main" xmlns="" id="{D17382A8-3FEE-4A03-ABD8-310338653836}"/>
+                <a16:creationId xmlns:a16="http://schemas.microsoft.com/office/drawing/2014/main" id="{D17382A8-3FEE-4A03-ABD8-310338653836}"/>
               </a:ext>
             </a:extLst>
           </p:cNvPr>
@@ -1482,7 +1471,6 @@
           <a:p>
             <a:fld id="{C4CB5549-7AC6-4553-87B5-A46F8FB365D0}" type="slidenum">
               <a:rPr lang="ko-KR" altLang="en-US" smtClean="0"/>
-              <a:pPr/>
               <a:t>‹#›</a:t>
             </a:fld>
             <a:endParaRPr lang="ko-KR" altLang="en-US"/>
@@ -1492,7 +1480,7 @@
     </p:spTree>
     <p:extLst>
       <p:ext uri="{BB962C8B-B14F-4D97-AF65-F5344CB8AC3E}">
-        <p14:creationId xmlns:p14="http://schemas.microsoft.com/office/powerpoint/2010/main" xmlns="" val="2251440356"/>
+        <p14:creationId xmlns:p14="http://schemas.microsoft.com/office/powerpoint/2010/main" val="2251440356"/>
       </p:ext>
     </p:extLst>
   </p:cSld>
@@ -1524,7 +1512,7 @@
           <p:cNvPr id="2" name="제목 1">
             <a:extLst>
               <a:ext uri="{FF2B5EF4-FFF2-40B4-BE49-F238E27FC236}">
-                <a16:creationId xmlns:a16="http://schemas.microsoft.com/office/drawing/2014/main" xmlns="" id="{5297334D-ED9A-419B-8690-C82770C1FEF7}"/>
+                <a16:creationId xmlns:a16="http://schemas.microsoft.com/office/drawing/2014/main" id="{5297334D-ED9A-419B-8690-C82770C1FEF7}"/>
               </a:ext>
             </a:extLst>
           </p:cNvPr>
@@ -1557,7 +1545,7 @@
           <p:cNvPr id="3" name="텍스트 개체 틀 2">
             <a:extLst>
               <a:ext uri="{FF2B5EF4-FFF2-40B4-BE49-F238E27FC236}">
-                <a16:creationId xmlns:a16="http://schemas.microsoft.com/office/drawing/2014/main" xmlns="" id="{B7E8135A-D17C-463D-8620-7DBC3FFF215C}"/>
+                <a16:creationId xmlns:a16="http://schemas.microsoft.com/office/drawing/2014/main" id="{B7E8135A-D17C-463D-8620-7DBC3FFF215C}"/>
               </a:ext>
             </a:extLst>
           </p:cNvPr>
@@ -1628,7 +1616,7 @@
           <p:cNvPr id="4" name="내용 개체 틀 3">
             <a:extLst>
               <a:ext uri="{FF2B5EF4-FFF2-40B4-BE49-F238E27FC236}">
-                <a16:creationId xmlns:a16="http://schemas.microsoft.com/office/drawing/2014/main" xmlns="" id="{4920E0F0-B0B8-4AF5-8CB5-4CCEC2A54B26}"/>
+                <a16:creationId xmlns:a16="http://schemas.microsoft.com/office/drawing/2014/main" id="{4920E0F0-B0B8-4AF5-8CB5-4CCEC2A54B26}"/>
               </a:ext>
             </a:extLst>
           </p:cNvPr>
@@ -1690,7 +1678,7 @@
           <p:cNvPr id="5" name="텍스트 개체 틀 4">
             <a:extLst>
               <a:ext uri="{FF2B5EF4-FFF2-40B4-BE49-F238E27FC236}">
-                <a16:creationId xmlns:a16="http://schemas.microsoft.com/office/drawing/2014/main" xmlns="" id="{D4250C0A-FE19-406F-B95C-837D6E9F995A}"/>
+                <a16:creationId xmlns:a16="http://schemas.microsoft.com/office/drawing/2014/main" id="{D4250C0A-FE19-406F-B95C-837D6E9F995A}"/>
               </a:ext>
             </a:extLst>
           </p:cNvPr>
@@ -1761,7 +1749,7 @@
           <p:cNvPr id="6" name="내용 개체 틀 5">
             <a:extLst>
               <a:ext uri="{FF2B5EF4-FFF2-40B4-BE49-F238E27FC236}">
-                <a16:creationId xmlns:a16="http://schemas.microsoft.com/office/drawing/2014/main" xmlns="" id="{F9707C88-873D-4A2D-B7B5-B7B3AFCE4E7B}"/>
+                <a16:creationId xmlns:a16="http://schemas.microsoft.com/office/drawing/2014/main" id="{F9707C88-873D-4A2D-B7B5-B7B3AFCE4E7B}"/>
               </a:ext>
             </a:extLst>
           </p:cNvPr>
@@ -1823,7 +1811,7 @@
           <p:cNvPr id="7" name="날짜 개체 틀 6">
             <a:extLst>
               <a:ext uri="{FF2B5EF4-FFF2-40B4-BE49-F238E27FC236}">
-                <a16:creationId xmlns:a16="http://schemas.microsoft.com/office/drawing/2014/main" xmlns="" id="{E0B2B603-E165-4C24-8BD1-C1C084E73929}"/>
+                <a16:creationId xmlns:a16="http://schemas.microsoft.com/office/drawing/2014/main" id="{E0B2B603-E165-4C24-8BD1-C1C084E73929}"/>
               </a:ext>
             </a:extLst>
           </p:cNvPr>
@@ -1841,8 +1829,7 @@
           <a:p>
             <a:fld id="{8E66B9A0-DAE6-4752-ACF3-1660696D2271}" type="datetimeFigureOut">
               <a:rPr lang="ko-KR" altLang="en-US" smtClean="0"/>
-              <a:pPr/>
-              <a:t>2019-02-18</a:t>
+              <a:t>2019-02-01</a:t>
             </a:fld>
             <a:endParaRPr lang="ko-KR" altLang="en-US"/>
           </a:p>
@@ -1853,7 +1840,7 @@
           <p:cNvPr id="8" name="바닥글 개체 틀 7">
             <a:extLst>
               <a:ext uri="{FF2B5EF4-FFF2-40B4-BE49-F238E27FC236}">
-                <a16:creationId xmlns:a16="http://schemas.microsoft.com/office/drawing/2014/main" xmlns="" id="{6507CF54-D8D2-409E-8575-1F1F93F9A9C7}"/>
+                <a16:creationId xmlns:a16="http://schemas.microsoft.com/office/drawing/2014/main" id="{6507CF54-D8D2-409E-8575-1F1F93F9A9C7}"/>
               </a:ext>
             </a:extLst>
           </p:cNvPr>
@@ -1878,7 +1865,7 @@
           <p:cNvPr id="9" name="슬라이드 번호 개체 틀 8">
             <a:extLst>
               <a:ext uri="{FF2B5EF4-FFF2-40B4-BE49-F238E27FC236}">
-                <a16:creationId xmlns:a16="http://schemas.microsoft.com/office/drawing/2014/main" xmlns="" id="{5F7E6CD0-B5D4-4408-9C49-F9F5594C3FEE}"/>
+                <a16:creationId xmlns:a16="http://schemas.microsoft.com/office/drawing/2014/main" id="{5F7E6CD0-B5D4-4408-9C49-F9F5594C3FEE}"/>
               </a:ext>
             </a:extLst>
           </p:cNvPr>
@@ -1896,7 +1883,6 @@
           <a:p>
             <a:fld id="{C4CB5549-7AC6-4553-87B5-A46F8FB365D0}" type="slidenum">
               <a:rPr lang="ko-KR" altLang="en-US" smtClean="0"/>
-              <a:pPr/>
               <a:t>‹#›</a:t>
             </a:fld>
             <a:endParaRPr lang="ko-KR" altLang="en-US"/>
@@ -1906,7 +1892,7 @@
     </p:spTree>
     <p:extLst>
       <p:ext uri="{BB962C8B-B14F-4D97-AF65-F5344CB8AC3E}">
-        <p14:creationId xmlns:p14="http://schemas.microsoft.com/office/powerpoint/2010/main" xmlns="" val="3696296912"/>
+        <p14:creationId xmlns:p14="http://schemas.microsoft.com/office/powerpoint/2010/main" val="3696296912"/>
       </p:ext>
     </p:extLst>
   </p:cSld>
@@ -1938,7 +1924,7 @@
           <p:cNvPr id="2" name="제목 1">
             <a:extLst>
               <a:ext uri="{FF2B5EF4-FFF2-40B4-BE49-F238E27FC236}">
-                <a16:creationId xmlns:a16="http://schemas.microsoft.com/office/drawing/2014/main" xmlns="" id="{4E7B263C-B54F-4809-A9CF-C698AB8F5854}"/>
+                <a16:creationId xmlns:a16="http://schemas.microsoft.com/office/drawing/2014/main" id="{4E7B263C-B54F-4809-A9CF-C698AB8F5854}"/>
               </a:ext>
             </a:extLst>
           </p:cNvPr>
@@ -1966,7 +1952,7 @@
           <p:cNvPr id="3" name="날짜 개체 틀 2">
             <a:extLst>
               <a:ext uri="{FF2B5EF4-FFF2-40B4-BE49-F238E27FC236}">
-                <a16:creationId xmlns:a16="http://schemas.microsoft.com/office/drawing/2014/main" xmlns="" id="{C03A898B-3B4D-4472-9073-1F59313609F0}"/>
+                <a16:creationId xmlns:a16="http://schemas.microsoft.com/office/drawing/2014/main" id="{C03A898B-3B4D-4472-9073-1F59313609F0}"/>
               </a:ext>
             </a:extLst>
           </p:cNvPr>
@@ -1984,8 +1970,7 @@
           <a:p>
             <a:fld id="{8E66B9A0-DAE6-4752-ACF3-1660696D2271}" type="datetimeFigureOut">
               <a:rPr lang="ko-KR" altLang="en-US" smtClean="0"/>
-              <a:pPr/>
-              <a:t>2019-02-18</a:t>
+              <a:t>2019-02-01</a:t>
             </a:fld>
             <a:endParaRPr lang="ko-KR" altLang="en-US"/>
           </a:p>
@@ -1996,7 +1981,7 @@
           <p:cNvPr id="4" name="바닥글 개체 틀 3">
             <a:extLst>
               <a:ext uri="{FF2B5EF4-FFF2-40B4-BE49-F238E27FC236}">
-                <a16:creationId xmlns:a16="http://schemas.microsoft.com/office/drawing/2014/main" xmlns="" id="{7050028D-80DD-49B6-8F63-593A297592A6}"/>
+                <a16:creationId xmlns:a16="http://schemas.microsoft.com/office/drawing/2014/main" id="{7050028D-80DD-49B6-8F63-593A297592A6}"/>
               </a:ext>
             </a:extLst>
           </p:cNvPr>
@@ -2021,7 +2006,7 @@
           <p:cNvPr id="5" name="슬라이드 번호 개체 틀 4">
             <a:extLst>
               <a:ext uri="{FF2B5EF4-FFF2-40B4-BE49-F238E27FC236}">
-                <a16:creationId xmlns:a16="http://schemas.microsoft.com/office/drawing/2014/main" xmlns="" id="{60BA4083-4ED7-4400-A89E-BC23BA4B8E95}"/>
+                <a16:creationId xmlns:a16="http://schemas.microsoft.com/office/drawing/2014/main" id="{60BA4083-4ED7-4400-A89E-BC23BA4B8E95}"/>
               </a:ext>
             </a:extLst>
           </p:cNvPr>
@@ -2039,7 +2024,6 @@
           <a:p>
             <a:fld id="{C4CB5549-7AC6-4553-87B5-A46F8FB365D0}" type="slidenum">
               <a:rPr lang="ko-KR" altLang="en-US" smtClean="0"/>
-              <a:pPr/>
               <a:t>‹#›</a:t>
             </a:fld>
             <a:endParaRPr lang="ko-KR" altLang="en-US"/>
@@ -2049,7 +2033,7 @@
     </p:spTree>
     <p:extLst>
       <p:ext uri="{BB962C8B-B14F-4D97-AF65-F5344CB8AC3E}">
-        <p14:creationId xmlns:p14="http://schemas.microsoft.com/office/powerpoint/2010/main" xmlns="" val="3264899501"/>
+        <p14:creationId xmlns:p14="http://schemas.microsoft.com/office/powerpoint/2010/main" val="3264899501"/>
       </p:ext>
     </p:extLst>
   </p:cSld>
@@ -2081,7 +2065,7 @@
           <p:cNvPr id="2" name="날짜 개체 틀 1">
             <a:extLst>
               <a:ext uri="{FF2B5EF4-FFF2-40B4-BE49-F238E27FC236}">
-                <a16:creationId xmlns:a16="http://schemas.microsoft.com/office/drawing/2014/main" xmlns="" id="{7A037715-C8DF-4E39-A6E4-C144E9BEB703}"/>
+                <a16:creationId xmlns:a16="http://schemas.microsoft.com/office/drawing/2014/main" id="{7A037715-C8DF-4E39-A6E4-C144E9BEB703}"/>
               </a:ext>
             </a:extLst>
           </p:cNvPr>
@@ -2099,8 +2083,7 @@
           <a:p>
             <a:fld id="{8E66B9A0-DAE6-4752-ACF3-1660696D2271}" type="datetimeFigureOut">
               <a:rPr lang="ko-KR" altLang="en-US" smtClean="0"/>
-              <a:pPr/>
-              <a:t>2019-02-18</a:t>
+              <a:t>2019-02-01</a:t>
             </a:fld>
             <a:endParaRPr lang="ko-KR" altLang="en-US"/>
           </a:p>
@@ -2111,7 +2094,7 @@
           <p:cNvPr id="3" name="바닥글 개체 틀 2">
             <a:extLst>
               <a:ext uri="{FF2B5EF4-FFF2-40B4-BE49-F238E27FC236}">
-                <a16:creationId xmlns:a16="http://schemas.microsoft.com/office/drawing/2014/main" xmlns="" id="{B404321C-7045-486B-BBD0-F7594BFC0DF8}"/>
+                <a16:creationId xmlns:a16="http://schemas.microsoft.com/office/drawing/2014/main" id="{B404321C-7045-486B-BBD0-F7594BFC0DF8}"/>
               </a:ext>
             </a:extLst>
           </p:cNvPr>
@@ -2136,7 +2119,7 @@
           <p:cNvPr id="4" name="슬라이드 번호 개체 틀 3">
             <a:extLst>
               <a:ext uri="{FF2B5EF4-FFF2-40B4-BE49-F238E27FC236}">
-                <a16:creationId xmlns:a16="http://schemas.microsoft.com/office/drawing/2014/main" xmlns="" id="{4BA223FE-168C-4F20-B141-4DE6E0CD9756}"/>
+                <a16:creationId xmlns:a16="http://schemas.microsoft.com/office/drawing/2014/main" id="{4BA223FE-168C-4F20-B141-4DE6E0CD9756}"/>
               </a:ext>
             </a:extLst>
           </p:cNvPr>
@@ -2154,7 +2137,6 @@
           <a:p>
             <a:fld id="{C4CB5549-7AC6-4553-87B5-A46F8FB365D0}" type="slidenum">
               <a:rPr lang="ko-KR" altLang="en-US" smtClean="0"/>
-              <a:pPr/>
               <a:t>‹#›</a:t>
             </a:fld>
             <a:endParaRPr lang="ko-KR" altLang="en-US"/>
@@ -2164,7 +2146,7 @@
     </p:spTree>
     <p:extLst>
       <p:ext uri="{BB962C8B-B14F-4D97-AF65-F5344CB8AC3E}">
-        <p14:creationId xmlns:p14="http://schemas.microsoft.com/office/powerpoint/2010/main" xmlns="" val="2748727151"/>
+        <p14:creationId xmlns:p14="http://schemas.microsoft.com/office/powerpoint/2010/main" val="2748727151"/>
       </p:ext>
     </p:extLst>
   </p:cSld>
@@ -2196,7 +2178,7 @@
           <p:cNvPr id="2" name="제목 1">
             <a:extLst>
               <a:ext uri="{FF2B5EF4-FFF2-40B4-BE49-F238E27FC236}">
-                <a16:creationId xmlns:a16="http://schemas.microsoft.com/office/drawing/2014/main" xmlns="" id="{0595F140-12E8-4561-9283-1EDEBA7109C9}"/>
+                <a16:creationId xmlns:a16="http://schemas.microsoft.com/office/drawing/2014/main" id="{0595F140-12E8-4561-9283-1EDEBA7109C9}"/>
               </a:ext>
             </a:extLst>
           </p:cNvPr>
@@ -2233,7 +2215,7 @@
           <p:cNvPr id="3" name="내용 개체 틀 2">
             <a:extLst>
               <a:ext uri="{FF2B5EF4-FFF2-40B4-BE49-F238E27FC236}">
-                <a16:creationId xmlns:a16="http://schemas.microsoft.com/office/drawing/2014/main" xmlns="" id="{F697FCBB-64DD-4891-B6DC-588857C302F2}"/>
+                <a16:creationId xmlns:a16="http://schemas.microsoft.com/office/drawing/2014/main" id="{F697FCBB-64DD-4891-B6DC-588857C302F2}"/>
               </a:ext>
             </a:extLst>
           </p:cNvPr>
@@ -2323,7 +2305,7 @@
           <p:cNvPr id="4" name="텍스트 개체 틀 3">
             <a:extLst>
               <a:ext uri="{FF2B5EF4-FFF2-40B4-BE49-F238E27FC236}">
-                <a16:creationId xmlns:a16="http://schemas.microsoft.com/office/drawing/2014/main" xmlns="" id="{BE0C981C-082E-4E3F-96BF-E992D04C860C}"/>
+                <a16:creationId xmlns:a16="http://schemas.microsoft.com/office/drawing/2014/main" id="{BE0C981C-082E-4E3F-96BF-E992D04C860C}"/>
               </a:ext>
             </a:extLst>
           </p:cNvPr>
@@ -2394,7 +2376,7 @@
           <p:cNvPr id="5" name="날짜 개체 틀 4">
             <a:extLst>
               <a:ext uri="{FF2B5EF4-FFF2-40B4-BE49-F238E27FC236}">
-                <a16:creationId xmlns:a16="http://schemas.microsoft.com/office/drawing/2014/main" xmlns="" id="{03075927-615B-4472-8C0D-29DAF9A41DEC}"/>
+                <a16:creationId xmlns:a16="http://schemas.microsoft.com/office/drawing/2014/main" id="{03075927-615B-4472-8C0D-29DAF9A41DEC}"/>
               </a:ext>
             </a:extLst>
           </p:cNvPr>
@@ -2412,8 +2394,7 @@
           <a:p>
             <a:fld id="{8E66B9A0-DAE6-4752-ACF3-1660696D2271}" type="datetimeFigureOut">
               <a:rPr lang="ko-KR" altLang="en-US" smtClean="0"/>
-              <a:pPr/>
-              <a:t>2019-02-18</a:t>
+              <a:t>2019-02-01</a:t>
             </a:fld>
             <a:endParaRPr lang="ko-KR" altLang="en-US"/>
           </a:p>
@@ -2424,7 +2405,7 @@
           <p:cNvPr id="6" name="바닥글 개체 틀 5">
             <a:extLst>
               <a:ext uri="{FF2B5EF4-FFF2-40B4-BE49-F238E27FC236}">
-                <a16:creationId xmlns:a16="http://schemas.microsoft.com/office/drawing/2014/main" xmlns="" id="{D8777159-97AC-4DB5-A204-A3347F44B2F9}"/>
+                <a16:creationId xmlns:a16="http://schemas.microsoft.com/office/drawing/2014/main" id="{D8777159-97AC-4DB5-A204-A3347F44B2F9}"/>
               </a:ext>
             </a:extLst>
           </p:cNvPr>
@@ -2449,7 +2430,7 @@
           <p:cNvPr id="7" name="슬라이드 번호 개체 틀 6">
             <a:extLst>
               <a:ext uri="{FF2B5EF4-FFF2-40B4-BE49-F238E27FC236}">
-                <a16:creationId xmlns:a16="http://schemas.microsoft.com/office/drawing/2014/main" xmlns="" id="{2F18C3C0-0D1C-49BD-870D-C3DBD3B88C49}"/>
+                <a16:creationId xmlns:a16="http://schemas.microsoft.com/office/drawing/2014/main" id="{2F18C3C0-0D1C-49BD-870D-C3DBD3B88C49}"/>
               </a:ext>
             </a:extLst>
           </p:cNvPr>
@@ -2467,7 +2448,6 @@
           <a:p>
             <a:fld id="{C4CB5549-7AC6-4553-87B5-A46F8FB365D0}" type="slidenum">
               <a:rPr lang="ko-KR" altLang="en-US" smtClean="0"/>
-              <a:pPr/>
               <a:t>‹#›</a:t>
             </a:fld>
             <a:endParaRPr lang="ko-KR" altLang="en-US"/>
@@ -2477,7 +2457,7 @@
     </p:spTree>
     <p:extLst>
       <p:ext uri="{BB962C8B-B14F-4D97-AF65-F5344CB8AC3E}">
-        <p14:creationId xmlns:p14="http://schemas.microsoft.com/office/powerpoint/2010/main" xmlns="" val="3646321395"/>
+        <p14:creationId xmlns:p14="http://schemas.microsoft.com/office/powerpoint/2010/main" val="3646321395"/>
       </p:ext>
     </p:extLst>
   </p:cSld>
@@ -2509,7 +2489,7 @@
           <p:cNvPr id="2" name="제목 1">
             <a:extLst>
               <a:ext uri="{FF2B5EF4-FFF2-40B4-BE49-F238E27FC236}">
-                <a16:creationId xmlns:a16="http://schemas.microsoft.com/office/drawing/2014/main" xmlns="" id="{9E0F4179-533E-4F21-B683-D8B95DDA28AF}"/>
+                <a16:creationId xmlns:a16="http://schemas.microsoft.com/office/drawing/2014/main" id="{9E0F4179-533E-4F21-B683-D8B95DDA28AF}"/>
               </a:ext>
             </a:extLst>
           </p:cNvPr>
@@ -2546,7 +2526,7 @@
           <p:cNvPr id="3" name="그림 개체 틀 2">
             <a:extLst>
               <a:ext uri="{FF2B5EF4-FFF2-40B4-BE49-F238E27FC236}">
-                <a16:creationId xmlns:a16="http://schemas.microsoft.com/office/drawing/2014/main" xmlns="" id="{F29BCAE8-5681-4C08-886B-6985B176FEEA}"/>
+                <a16:creationId xmlns:a16="http://schemas.microsoft.com/office/drawing/2014/main" id="{F29BCAE8-5681-4C08-886B-6985B176FEEA}"/>
               </a:ext>
             </a:extLst>
           </p:cNvPr>
@@ -2613,7 +2593,7 @@
           <p:cNvPr id="4" name="텍스트 개체 틀 3">
             <a:extLst>
               <a:ext uri="{FF2B5EF4-FFF2-40B4-BE49-F238E27FC236}">
-                <a16:creationId xmlns:a16="http://schemas.microsoft.com/office/drawing/2014/main" xmlns="" id="{E24ABC13-0B24-4526-B571-3E8C6A4C79A0}"/>
+                <a16:creationId xmlns:a16="http://schemas.microsoft.com/office/drawing/2014/main" id="{E24ABC13-0B24-4526-B571-3E8C6A4C79A0}"/>
               </a:ext>
             </a:extLst>
           </p:cNvPr>
@@ -2684,7 +2664,7 @@
           <p:cNvPr id="5" name="날짜 개체 틀 4">
             <a:extLst>
               <a:ext uri="{FF2B5EF4-FFF2-40B4-BE49-F238E27FC236}">
-                <a16:creationId xmlns:a16="http://schemas.microsoft.com/office/drawing/2014/main" xmlns="" id="{2008DCF4-5BC0-47ED-AAA5-1BC0A21C3A33}"/>
+                <a16:creationId xmlns:a16="http://schemas.microsoft.com/office/drawing/2014/main" id="{2008DCF4-5BC0-47ED-AAA5-1BC0A21C3A33}"/>
               </a:ext>
             </a:extLst>
           </p:cNvPr>
@@ -2702,8 +2682,7 @@
           <a:p>
             <a:fld id="{8E66B9A0-DAE6-4752-ACF3-1660696D2271}" type="datetimeFigureOut">
               <a:rPr lang="ko-KR" altLang="en-US" smtClean="0"/>
-              <a:pPr/>
-              <a:t>2019-02-18</a:t>
+              <a:t>2019-02-01</a:t>
             </a:fld>
             <a:endParaRPr lang="ko-KR" altLang="en-US"/>
           </a:p>
@@ -2714,7 +2693,7 @@
           <p:cNvPr id="6" name="바닥글 개체 틀 5">
             <a:extLst>
               <a:ext uri="{FF2B5EF4-FFF2-40B4-BE49-F238E27FC236}">
-                <a16:creationId xmlns:a16="http://schemas.microsoft.com/office/drawing/2014/main" xmlns="" id="{B4BD6F9E-6096-4B10-AE13-095CF0AA174E}"/>
+                <a16:creationId xmlns:a16="http://schemas.microsoft.com/office/drawing/2014/main" id="{B4BD6F9E-6096-4B10-AE13-095CF0AA174E}"/>
               </a:ext>
             </a:extLst>
           </p:cNvPr>
@@ -2739,7 +2718,7 @@
           <p:cNvPr id="7" name="슬라이드 번호 개체 틀 6">
             <a:extLst>
               <a:ext uri="{FF2B5EF4-FFF2-40B4-BE49-F238E27FC236}">
-                <a16:creationId xmlns:a16="http://schemas.microsoft.com/office/drawing/2014/main" xmlns="" id="{E7498EC0-9ADB-42A3-954B-78ADC238E494}"/>
+                <a16:creationId xmlns:a16="http://schemas.microsoft.com/office/drawing/2014/main" id="{E7498EC0-9ADB-42A3-954B-78ADC238E494}"/>
               </a:ext>
             </a:extLst>
           </p:cNvPr>
@@ -2757,7 +2736,6 @@
           <a:p>
             <a:fld id="{C4CB5549-7AC6-4553-87B5-A46F8FB365D0}" type="slidenum">
               <a:rPr lang="ko-KR" altLang="en-US" smtClean="0"/>
-              <a:pPr/>
               <a:t>‹#›</a:t>
             </a:fld>
             <a:endParaRPr lang="ko-KR" altLang="en-US"/>
@@ -2767,7 +2745,7 @@
     </p:spTree>
     <p:extLst>
       <p:ext uri="{BB962C8B-B14F-4D97-AF65-F5344CB8AC3E}">
-        <p14:creationId xmlns:p14="http://schemas.microsoft.com/office/powerpoint/2010/main" xmlns="" val="112706458"/>
+        <p14:creationId xmlns:p14="http://schemas.microsoft.com/office/powerpoint/2010/main" val="112706458"/>
       </p:ext>
     </p:extLst>
   </p:cSld>
@@ -2809,7 +2787,7 @@
           <p:cNvPr id="2" name="제목 개체 틀 1">
             <a:extLst>
               <a:ext uri="{FF2B5EF4-FFF2-40B4-BE49-F238E27FC236}">
-                <a16:creationId xmlns:a16="http://schemas.microsoft.com/office/drawing/2014/main" xmlns="" id="{683ED660-CAD3-41C5-897D-F76E17DF50EB}"/>
+                <a16:creationId xmlns:a16="http://schemas.microsoft.com/office/drawing/2014/main" id="{683ED660-CAD3-41C5-897D-F76E17DF50EB}"/>
               </a:ext>
             </a:extLst>
           </p:cNvPr>
@@ -2847,7 +2825,7 @@
           <p:cNvPr id="3" name="텍스트 개체 틀 2">
             <a:extLst>
               <a:ext uri="{FF2B5EF4-FFF2-40B4-BE49-F238E27FC236}">
-                <a16:creationId xmlns:a16="http://schemas.microsoft.com/office/drawing/2014/main" xmlns="" id="{685E28CD-F54C-4CD6-8FE5-CE0B543E9016}"/>
+                <a16:creationId xmlns:a16="http://schemas.microsoft.com/office/drawing/2014/main" id="{685E28CD-F54C-4CD6-8FE5-CE0B543E9016}"/>
               </a:ext>
             </a:extLst>
           </p:cNvPr>
@@ -2914,7 +2892,7 @@
           <p:cNvPr id="4" name="날짜 개체 틀 3">
             <a:extLst>
               <a:ext uri="{FF2B5EF4-FFF2-40B4-BE49-F238E27FC236}">
-                <a16:creationId xmlns:a16="http://schemas.microsoft.com/office/drawing/2014/main" xmlns="" id="{3DEC5661-CAD6-4590-A570-FF8BC2DD854F}"/>
+                <a16:creationId xmlns:a16="http://schemas.microsoft.com/office/drawing/2014/main" id="{3DEC5661-CAD6-4590-A570-FF8BC2DD854F}"/>
               </a:ext>
             </a:extLst>
           </p:cNvPr>
@@ -2950,8 +2928,7 @@
           <a:p>
             <a:fld id="{8E66B9A0-DAE6-4752-ACF3-1660696D2271}" type="datetimeFigureOut">
               <a:rPr lang="ko-KR" altLang="en-US" smtClean="0"/>
-              <a:pPr/>
-              <a:t>2019-02-18</a:t>
+              <a:t>2019-02-01</a:t>
             </a:fld>
             <a:endParaRPr lang="ko-KR" altLang="en-US"/>
           </a:p>
@@ -2962,7 +2939,7 @@
           <p:cNvPr id="5" name="바닥글 개체 틀 4">
             <a:extLst>
               <a:ext uri="{FF2B5EF4-FFF2-40B4-BE49-F238E27FC236}">
-                <a16:creationId xmlns:a16="http://schemas.microsoft.com/office/drawing/2014/main" xmlns="" id="{94D35968-FC72-479E-A889-F05608A1E3C4}"/>
+                <a16:creationId xmlns:a16="http://schemas.microsoft.com/office/drawing/2014/main" id="{94D35968-FC72-479E-A889-F05608A1E3C4}"/>
               </a:ext>
             </a:extLst>
           </p:cNvPr>
@@ -3005,7 +2982,7 @@
           <p:cNvPr id="6" name="슬라이드 번호 개체 틀 5">
             <a:extLst>
               <a:ext uri="{FF2B5EF4-FFF2-40B4-BE49-F238E27FC236}">
-                <a16:creationId xmlns:a16="http://schemas.microsoft.com/office/drawing/2014/main" xmlns="" id="{47D62E0A-2515-44D6-8B9D-7AD8A430E4D8}"/>
+                <a16:creationId xmlns:a16="http://schemas.microsoft.com/office/drawing/2014/main" id="{47D62E0A-2515-44D6-8B9D-7AD8A430E4D8}"/>
               </a:ext>
             </a:extLst>
           </p:cNvPr>
@@ -3041,7 +3018,6 @@
           <a:p>
             <a:fld id="{C4CB5549-7AC6-4553-87B5-A46F8FB365D0}" type="slidenum">
               <a:rPr lang="ko-KR" altLang="en-US" smtClean="0"/>
-              <a:pPr/>
               <a:t>‹#›</a:t>
             </a:fld>
             <a:endParaRPr lang="ko-KR" altLang="en-US"/>
@@ -3051,7 +3027,7 @@
     </p:spTree>
     <p:extLst>
       <p:ext uri="{BB962C8B-B14F-4D97-AF65-F5344CB8AC3E}">
-        <p14:creationId xmlns:p14="http://schemas.microsoft.com/office/powerpoint/2010/main" xmlns="" val="1000308583"/>
+        <p14:creationId xmlns:p14="http://schemas.microsoft.com/office/powerpoint/2010/main" val="1000308583"/>
       </p:ext>
     </p:extLst>
   </p:cSld>
@@ -3374,7 +3350,7 @@
           <p:cNvPr id="14" name="타원 13">
             <a:extLst>
               <a:ext uri="{FF2B5EF4-FFF2-40B4-BE49-F238E27FC236}">
-                <a16:creationId xmlns:a16="http://schemas.microsoft.com/office/drawing/2014/main" xmlns="" id="{A2FB4017-D76D-4402-A039-BDEF4BA9DDF1}"/>
+                <a16:creationId xmlns:a16="http://schemas.microsoft.com/office/drawing/2014/main" id="{A2FB4017-D76D-4402-A039-BDEF4BA9DDF1}"/>
               </a:ext>
             </a:extLst>
           </p:cNvPr>
@@ -3426,7 +3402,7 @@
           <p:cNvPr id="2" name="제목 1">
             <a:extLst>
               <a:ext uri="{FF2B5EF4-FFF2-40B4-BE49-F238E27FC236}">
-                <a16:creationId xmlns:a16="http://schemas.microsoft.com/office/drawing/2014/main" xmlns="" id="{36550425-4729-458B-A9D5-4DE2449B01BD}"/>
+                <a16:creationId xmlns:a16="http://schemas.microsoft.com/office/drawing/2014/main" id="{36550425-4729-458B-A9D5-4DE2449B01BD}"/>
               </a:ext>
             </a:extLst>
           </p:cNvPr>
@@ -3469,7 +3445,7 @@
           <p:cNvPr id="3" name="부제목 2">
             <a:extLst>
               <a:ext uri="{FF2B5EF4-FFF2-40B4-BE49-F238E27FC236}">
-                <a16:creationId xmlns:a16="http://schemas.microsoft.com/office/drawing/2014/main" xmlns="" id="{33C515FB-F0AB-4D90-BFEE-09AEB41E8199}"/>
+                <a16:creationId xmlns:a16="http://schemas.microsoft.com/office/drawing/2014/main" id="{33C515FB-F0AB-4D90-BFEE-09AEB41E8199}"/>
               </a:ext>
             </a:extLst>
           </p:cNvPr>
@@ -3497,34 +3473,34 @@
               </a:rPr>
               <a:t>에어컨을 스마트 에어컨으로 만들 수 있는 </a:t>
             </a:r>
-          </a:p>
-          <a:p>
-            <a:r>
-              <a:rPr lang="en-US" altLang="ko-KR" sz="1800" dirty="0" err="1" smtClean="0">
-                <a:latin typeface="한컴 윤고딕 230" panose="02020603020101020101" pitchFamily="18" charset="-127"/>
-                <a:ea typeface="한컴 윤고딕 230" panose="02020603020101020101" pitchFamily="18" charset="-127"/>
-              </a:rPr>
-              <a:t>Iot</a:t>
-            </a:r>
-            <a:r>
-              <a:rPr lang="en-US" altLang="ko-KR" sz="1800" dirty="0" smtClean="0">
-                <a:latin typeface="한컴 윤고딕 230" panose="02020603020101020101" pitchFamily="18" charset="-127"/>
-                <a:ea typeface="한컴 윤고딕 230" panose="02020603020101020101" pitchFamily="18" charset="-127"/>
-              </a:rPr>
-              <a:t> remote </a:t>
-            </a:r>
-            <a:r>
-              <a:rPr lang="ko-KR" altLang="en-US" sz="1800" dirty="0" smtClean="0">
-                <a:latin typeface="한컴 윤고딕 230" panose="02020603020101020101" pitchFamily="18" charset="-127"/>
-                <a:ea typeface="한컴 윤고딕 230" panose="02020603020101020101" pitchFamily="18" charset="-127"/>
-              </a:rPr>
-              <a:t>시스템</a:t>
-            </a:r>
-            <a:endParaRPr lang="ko-KR" altLang="en-US" sz="1800" dirty="0">
+            <a:endParaRPr lang="en-US" altLang="ko-KR" sz="1800" dirty="0">
               <a:latin typeface="한컴 윤고딕 230" panose="02020603020101020101" pitchFamily="18" charset="-127"/>
               <a:ea typeface="한컴 윤고딕 230" panose="02020603020101020101" pitchFamily="18" charset="-127"/>
             </a:endParaRPr>
           </a:p>
+          <a:p>
+            <a:r>
+              <a:rPr lang="en-US" altLang="ko-KR" sz="1800" dirty="0" err="1">
+                <a:latin typeface="한컴 윤고딕 230" panose="02020603020101020101" pitchFamily="18" charset="-127"/>
+                <a:ea typeface="한컴 윤고딕 230" panose="02020603020101020101" pitchFamily="18" charset="-127"/>
+              </a:rPr>
+              <a:t>Iot</a:t>
+            </a:r>
+            <a:r>
+              <a:rPr lang="en-US" altLang="ko-KR" sz="1800" dirty="0">
+                <a:latin typeface="한컴 윤고딕 230" panose="02020603020101020101" pitchFamily="18" charset="-127"/>
+                <a:ea typeface="한컴 윤고딕 230" panose="02020603020101020101" pitchFamily="18" charset="-127"/>
+              </a:rPr>
+              <a:t> remote </a:t>
+            </a:r>
+            <a:r>
+              <a:rPr lang="ko-KR" altLang="en-US" sz="1800" dirty="0">
+                <a:latin typeface="한컴 윤고딕 230" panose="02020603020101020101" pitchFamily="18" charset="-127"/>
+                <a:ea typeface="한컴 윤고딕 230" panose="02020603020101020101" pitchFamily="18" charset="-127"/>
+              </a:rPr>
+              <a:t>시스템</a:t>
+            </a:r>
+          </a:p>
         </p:txBody>
       </p:sp>
       <p:cxnSp>
@@ -3532,7 +3508,7 @@
           <p:cNvPr id="10" name="직선 연결선 9">
             <a:extLst>
               <a:ext uri="{FF2B5EF4-FFF2-40B4-BE49-F238E27FC236}">
-                <a16:creationId xmlns:a16="http://schemas.microsoft.com/office/drawing/2014/main" xmlns="" id="{6EFC702D-4ABD-4F5F-AB8C-2FD3AD460665}"/>
+                <a16:creationId xmlns:a16="http://schemas.microsoft.com/office/drawing/2014/main" id="{6EFC702D-4ABD-4F5F-AB8C-2FD3AD460665}"/>
               </a:ext>
             </a:extLst>
           </p:cNvPr>
@@ -3573,7 +3549,7 @@
           <p:cNvPr id="31" name="직선 연결선 30">
             <a:extLst>
               <a:ext uri="{FF2B5EF4-FFF2-40B4-BE49-F238E27FC236}">
-                <a16:creationId xmlns:a16="http://schemas.microsoft.com/office/drawing/2014/main" xmlns="" id="{CDD5E583-6E83-4792-B670-F27D6300E80E}"/>
+                <a16:creationId xmlns:a16="http://schemas.microsoft.com/office/drawing/2014/main" id="{CDD5E583-6E83-4792-B670-F27D6300E80E}"/>
               </a:ext>
             </a:extLst>
           </p:cNvPr>
@@ -3612,7 +3588,7 @@
     </p:spTree>
     <p:extLst>
       <p:ext uri="{BB962C8B-B14F-4D97-AF65-F5344CB8AC3E}">
-        <p14:creationId xmlns:p14="http://schemas.microsoft.com/office/powerpoint/2010/main" xmlns="" val="1162418058"/>
+        <p14:creationId xmlns:p14="http://schemas.microsoft.com/office/powerpoint/2010/main" val="1162418058"/>
       </p:ext>
     </p:extLst>
   </p:cSld>
@@ -3644,7 +3620,7 @@
           <p:cNvPr id="19" name="직사각형 18">
             <a:extLst>
               <a:ext uri="{FF2B5EF4-FFF2-40B4-BE49-F238E27FC236}">
-                <a16:creationId xmlns:a16="http://schemas.microsoft.com/office/drawing/2014/main" xmlns="" id="{0580FFE7-0154-437C-A351-5C0FA8D7EDB3}"/>
+                <a16:creationId xmlns:a16="http://schemas.microsoft.com/office/drawing/2014/main" id="{0580FFE7-0154-437C-A351-5C0FA8D7EDB3}"/>
               </a:ext>
             </a:extLst>
           </p:cNvPr>
@@ -3701,7 +3677,7 @@
           <p:cNvPr id="2" name="제목 1">
             <a:extLst>
               <a:ext uri="{FF2B5EF4-FFF2-40B4-BE49-F238E27FC236}">
-                <a16:creationId xmlns:a16="http://schemas.microsoft.com/office/drawing/2014/main" xmlns="" id="{7F510CC2-7B30-41ED-95F0-0C20D11BF611}"/>
+                <a16:creationId xmlns:a16="http://schemas.microsoft.com/office/drawing/2014/main" id="{7F510CC2-7B30-41ED-95F0-0C20D11BF611}"/>
               </a:ext>
             </a:extLst>
           </p:cNvPr>
@@ -3742,7 +3718,7 @@
           <p:cNvPr id="3" name="순서도: 연결자 2">
             <a:extLst>
               <a:ext uri="{FF2B5EF4-FFF2-40B4-BE49-F238E27FC236}">
-                <a16:creationId xmlns:a16="http://schemas.microsoft.com/office/drawing/2014/main" xmlns="" id="{22976C8E-E65A-4402-A647-7385D30602DD}"/>
+                <a16:creationId xmlns:a16="http://schemas.microsoft.com/office/drawing/2014/main" id="{22976C8E-E65A-4402-A647-7385D30602DD}"/>
               </a:ext>
             </a:extLst>
           </p:cNvPr>
@@ -3804,7 +3780,7 @@
           <p:cNvPr id="13" name="TextBox 12">
             <a:extLst>
               <a:ext uri="{FF2B5EF4-FFF2-40B4-BE49-F238E27FC236}">
-                <a16:creationId xmlns:a16="http://schemas.microsoft.com/office/drawing/2014/main" xmlns="" id="{6B541D98-2FAB-462B-9AEF-72CCBEBF0E0D}"/>
+                <a16:creationId xmlns:a16="http://schemas.microsoft.com/office/drawing/2014/main" id="{6B541D98-2FAB-462B-9AEF-72CCBEBF0E0D}"/>
               </a:ext>
             </a:extLst>
           </p:cNvPr>
@@ -3946,7 +3922,7 @@
           <p:cNvPr id="14" name="TextBox 13">
             <a:extLst>
               <a:ext uri="{FF2B5EF4-FFF2-40B4-BE49-F238E27FC236}">
-                <a16:creationId xmlns:a16="http://schemas.microsoft.com/office/drawing/2014/main" xmlns="" id="{5871DBCE-94A4-431D-8E20-9C359ABA5446}"/>
+                <a16:creationId xmlns:a16="http://schemas.microsoft.com/office/drawing/2014/main" id="{5871DBCE-94A4-431D-8E20-9C359ABA5446}"/>
               </a:ext>
             </a:extLst>
           </p:cNvPr>
@@ -4047,7 +4023,7 @@
           <p:cNvPr id="15" name="TextBox 14">
             <a:extLst>
               <a:ext uri="{FF2B5EF4-FFF2-40B4-BE49-F238E27FC236}">
-                <a16:creationId xmlns:a16="http://schemas.microsoft.com/office/drawing/2014/main" xmlns="" id="{0B697884-4905-4D00-8A94-25562EC24F04}"/>
+                <a16:creationId xmlns:a16="http://schemas.microsoft.com/office/drawing/2014/main" id="{0B697884-4905-4D00-8A94-25562EC24F04}"/>
               </a:ext>
             </a:extLst>
           </p:cNvPr>
@@ -4117,7 +4093,7 @@
           <p:cNvPr id="16" name="직사각형 15">
             <a:extLst>
               <a:ext uri="{FF2B5EF4-FFF2-40B4-BE49-F238E27FC236}">
-                <a16:creationId xmlns:a16="http://schemas.microsoft.com/office/drawing/2014/main" xmlns="" id="{9DB5C34C-E1E4-4579-BCDD-E755E113A26B}"/>
+                <a16:creationId xmlns:a16="http://schemas.microsoft.com/office/drawing/2014/main" id="{9DB5C34C-E1E4-4579-BCDD-E755E113A26B}"/>
               </a:ext>
             </a:extLst>
           </p:cNvPr>
@@ -4176,7 +4152,7 @@
           <p:cNvPr id="17" name="직사각형 16">
             <a:extLst>
               <a:ext uri="{FF2B5EF4-FFF2-40B4-BE49-F238E27FC236}">
-                <a16:creationId xmlns:a16="http://schemas.microsoft.com/office/drawing/2014/main" xmlns="" id="{697C215F-DB2D-4BC1-AA27-737ED25B0500}"/>
+                <a16:creationId xmlns:a16="http://schemas.microsoft.com/office/drawing/2014/main" id="{697C215F-DB2D-4BC1-AA27-737ED25B0500}"/>
               </a:ext>
             </a:extLst>
           </p:cNvPr>
@@ -4250,7 +4226,7 @@
           <p:cNvPr id="18" name="직사각형 17">
             <a:extLst>
               <a:ext uri="{FF2B5EF4-FFF2-40B4-BE49-F238E27FC236}">
-                <a16:creationId xmlns:a16="http://schemas.microsoft.com/office/drawing/2014/main" xmlns="" id="{3E4D7615-62E8-4CBE-8470-F6B7351E27F7}"/>
+                <a16:creationId xmlns:a16="http://schemas.microsoft.com/office/drawing/2014/main" id="{3E4D7615-62E8-4CBE-8470-F6B7351E27F7}"/>
               </a:ext>
             </a:extLst>
           </p:cNvPr>
@@ -4351,7 +4327,7 @@
           <p:cNvPr id="20" name="직사각형 19">
             <a:extLst>
               <a:ext uri="{FF2B5EF4-FFF2-40B4-BE49-F238E27FC236}">
-                <a16:creationId xmlns:a16="http://schemas.microsoft.com/office/drawing/2014/main" xmlns="" id="{53710060-77BF-4CE6-9929-E5F03B40AFAB}"/>
+                <a16:creationId xmlns:a16="http://schemas.microsoft.com/office/drawing/2014/main" id="{53710060-77BF-4CE6-9929-E5F03B40AFAB}"/>
               </a:ext>
             </a:extLst>
           </p:cNvPr>
@@ -4406,7 +4382,7 @@
           <p:cNvPr id="6" name="직선 연결선 5">
             <a:extLst>
               <a:ext uri="{FF2B5EF4-FFF2-40B4-BE49-F238E27FC236}">
-                <a16:creationId xmlns:a16="http://schemas.microsoft.com/office/drawing/2014/main" xmlns="" id="{A05C88DA-A718-4E36-90EE-F7830A63E184}"/>
+                <a16:creationId xmlns:a16="http://schemas.microsoft.com/office/drawing/2014/main" id="{A05C88DA-A718-4E36-90EE-F7830A63E184}"/>
               </a:ext>
             </a:extLst>
           </p:cNvPr>
@@ -4447,7 +4423,7 @@
           <p:cNvPr id="22" name="직선 연결선 21">
             <a:extLst>
               <a:ext uri="{FF2B5EF4-FFF2-40B4-BE49-F238E27FC236}">
-                <a16:creationId xmlns:a16="http://schemas.microsoft.com/office/drawing/2014/main" xmlns="" id="{34554309-4455-4624-A906-D2C6991AC87F}"/>
+                <a16:creationId xmlns:a16="http://schemas.microsoft.com/office/drawing/2014/main" id="{34554309-4455-4624-A906-D2C6991AC87F}"/>
               </a:ext>
             </a:extLst>
           </p:cNvPr>
@@ -4488,7 +4464,7 @@
           <p:cNvPr id="23" name="순서도: 연결자 22">
             <a:extLst>
               <a:ext uri="{FF2B5EF4-FFF2-40B4-BE49-F238E27FC236}">
-                <a16:creationId xmlns:a16="http://schemas.microsoft.com/office/drawing/2014/main" xmlns="" id="{BD1591CF-E35B-4578-9134-007101B8F94F}"/>
+                <a16:creationId xmlns:a16="http://schemas.microsoft.com/office/drawing/2014/main" id="{BD1591CF-E35B-4578-9134-007101B8F94F}"/>
               </a:ext>
             </a:extLst>
           </p:cNvPr>
@@ -4550,7 +4526,7 @@
           <p:cNvPr id="24" name="순서도: 연결자 23">
             <a:extLst>
               <a:ext uri="{FF2B5EF4-FFF2-40B4-BE49-F238E27FC236}">
-                <a16:creationId xmlns:a16="http://schemas.microsoft.com/office/drawing/2014/main" xmlns="" id="{E40B5791-F7C3-4EF4-B507-7FA343B88B58}"/>
+                <a16:creationId xmlns:a16="http://schemas.microsoft.com/office/drawing/2014/main" id="{E40B5791-F7C3-4EF4-B507-7FA343B88B58}"/>
               </a:ext>
             </a:extLst>
           </p:cNvPr>
@@ -4612,7 +4588,7 @@
           <p:cNvPr id="25" name="직선 연결선 24">
             <a:extLst>
               <a:ext uri="{FF2B5EF4-FFF2-40B4-BE49-F238E27FC236}">
-                <a16:creationId xmlns:a16="http://schemas.microsoft.com/office/drawing/2014/main" xmlns="" id="{877184D1-DFA7-44B9-8F72-2D655704223D}"/>
+                <a16:creationId xmlns:a16="http://schemas.microsoft.com/office/drawing/2014/main" id="{877184D1-DFA7-44B9-8F72-2D655704223D}"/>
               </a:ext>
             </a:extLst>
           </p:cNvPr>
@@ -4651,7 +4627,7 @@
     </p:spTree>
     <p:extLst>
       <p:ext uri="{BB962C8B-B14F-4D97-AF65-F5344CB8AC3E}">
-        <p14:creationId xmlns:p14="http://schemas.microsoft.com/office/powerpoint/2010/main" xmlns="" val="753767865"/>
+        <p14:creationId xmlns:p14="http://schemas.microsoft.com/office/powerpoint/2010/main" val="753767865"/>
       </p:ext>
     </p:extLst>
   </p:cSld>
@@ -4683,7 +4659,7 @@
           <p:cNvPr id="2" name="제목 1">
             <a:extLst>
               <a:ext uri="{FF2B5EF4-FFF2-40B4-BE49-F238E27FC236}">
-                <a16:creationId xmlns:a16="http://schemas.microsoft.com/office/drawing/2014/main" xmlns="" id="{BBA84211-1FDA-48F9-BA4E-9013EED0D308}"/>
+                <a16:creationId xmlns:a16="http://schemas.microsoft.com/office/drawing/2014/main" id="{BBA84211-1FDA-48F9-BA4E-9013EED0D308}"/>
               </a:ext>
             </a:extLst>
           </p:cNvPr>
@@ -4728,7 +4704,7 @@
           <p:cNvPr id="7" name="화살표: 오각형 6">
             <a:extLst>
               <a:ext uri="{FF2B5EF4-FFF2-40B4-BE49-F238E27FC236}">
-                <a16:creationId xmlns:a16="http://schemas.microsoft.com/office/drawing/2014/main" xmlns="" id="{540202DC-972C-449E-8D40-20FEA4C299C9}"/>
+                <a16:creationId xmlns:a16="http://schemas.microsoft.com/office/drawing/2014/main" id="{540202DC-972C-449E-8D40-20FEA4C299C9}"/>
               </a:ext>
             </a:extLst>
           </p:cNvPr>
@@ -4790,7 +4766,7 @@
           <p:cNvPr id="8" name="직사각형 7">
             <a:extLst>
               <a:ext uri="{FF2B5EF4-FFF2-40B4-BE49-F238E27FC236}">
-                <a16:creationId xmlns:a16="http://schemas.microsoft.com/office/drawing/2014/main" xmlns="" id="{4299E079-099C-4FC6-AB96-60D79AC533F3}"/>
+                <a16:creationId xmlns:a16="http://schemas.microsoft.com/office/drawing/2014/main" id="{4299E079-099C-4FC6-AB96-60D79AC533F3}"/>
               </a:ext>
             </a:extLst>
           </p:cNvPr>
@@ -4876,7 +4852,7 @@
           <p:cNvPr id="9" name="직사각형 8">
             <a:extLst>
               <a:ext uri="{FF2B5EF4-FFF2-40B4-BE49-F238E27FC236}">
-                <a16:creationId xmlns:a16="http://schemas.microsoft.com/office/drawing/2014/main" xmlns="" id="{0CDB3C7F-3D41-42C4-8A8A-60BE47CE7F38}"/>
+                <a16:creationId xmlns:a16="http://schemas.microsoft.com/office/drawing/2014/main" id="{0CDB3C7F-3D41-42C4-8A8A-60BE47CE7F38}"/>
               </a:ext>
             </a:extLst>
           </p:cNvPr>
@@ -4940,7 +4916,7 @@
           <p:cNvPr id="12" name="화살표: 갈매기형 수장 11">
             <a:extLst>
               <a:ext uri="{FF2B5EF4-FFF2-40B4-BE49-F238E27FC236}">
-                <a16:creationId xmlns:a16="http://schemas.microsoft.com/office/drawing/2014/main" xmlns="" id="{8DBC2EAF-942D-4653-9175-A081AF1E42A7}"/>
+                <a16:creationId xmlns:a16="http://schemas.microsoft.com/office/drawing/2014/main" id="{8DBC2EAF-942D-4653-9175-A081AF1E42A7}"/>
               </a:ext>
             </a:extLst>
           </p:cNvPr>
@@ -5003,7 +4979,7 @@
           <p:cNvPr id="13" name="직선 연결선 12">
             <a:extLst>
               <a:ext uri="{FF2B5EF4-FFF2-40B4-BE49-F238E27FC236}">
-                <a16:creationId xmlns:a16="http://schemas.microsoft.com/office/drawing/2014/main" xmlns="" id="{7F87B08B-16C8-4F52-B5AD-9F05FCF98DEB}"/>
+                <a16:creationId xmlns:a16="http://schemas.microsoft.com/office/drawing/2014/main" id="{7F87B08B-16C8-4F52-B5AD-9F05FCF98DEB}"/>
               </a:ext>
             </a:extLst>
           </p:cNvPr>
@@ -5039,7 +5015,7 @@
           <p:cNvPr id="4" name="그림 3">
             <a:extLst>
               <a:ext uri="{FF2B5EF4-FFF2-40B4-BE49-F238E27FC236}">
-                <a16:creationId xmlns:a16="http://schemas.microsoft.com/office/drawing/2014/main" xmlns="" id="{AD467A9D-7367-4A0F-B702-15EEEDC89E79}"/>
+                <a16:creationId xmlns:a16="http://schemas.microsoft.com/office/drawing/2014/main" id="{AD467A9D-7367-4A0F-B702-15EEEDC89E79}"/>
               </a:ext>
             </a:extLst>
           </p:cNvPr>
@@ -5049,10 +5025,10 @@
           <p:nvPr/>
         </p:nvPicPr>
         <p:blipFill>
-          <a:blip r:embed="rId2" cstate="print">
+          <a:blip r:embed="rId2">
             <a:extLst>
               <a:ext uri="{28A0092B-C50C-407E-A947-70E740481C1C}">
-                <a14:useLocalDpi xmlns:a14="http://schemas.microsoft.com/office/drawing/2010/main" xmlns="" val="0"/>
+                <a14:useLocalDpi xmlns:a14="http://schemas.microsoft.com/office/drawing/2010/main" val="0"/>
               </a:ext>
             </a:extLst>
           </a:blip>
@@ -5075,7 +5051,7 @@
           <p:cNvPr id="6" name="그림 5">
             <a:extLst>
               <a:ext uri="{FF2B5EF4-FFF2-40B4-BE49-F238E27FC236}">
-                <a16:creationId xmlns:a16="http://schemas.microsoft.com/office/drawing/2014/main" xmlns="" id="{F4DA5E1A-58A7-49B8-9ECE-A381D945DD51}"/>
+                <a16:creationId xmlns:a16="http://schemas.microsoft.com/office/drawing/2014/main" id="{F4DA5E1A-58A7-49B8-9ECE-A381D945DD51}"/>
               </a:ext>
             </a:extLst>
           </p:cNvPr>
@@ -5085,10 +5061,10 @@
           <p:nvPr/>
         </p:nvPicPr>
         <p:blipFill>
-          <a:blip r:embed="rId3" cstate="print">
+          <a:blip r:embed="rId3">
             <a:extLst>
               <a:ext uri="{28A0092B-C50C-407E-A947-70E740481C1C}">
-                <a14:useLocalDpi xmlns:a14="http://schemas.microsoft.com/office/drawing/2010/main" xmlns="" val="0"/>
+                <a14:useLocalDpi xmlns:a14="http://schemas.microsoft.com/office/drawing/2010/main" val="0"/>
               </a:ext>
             </a:extLst>
           </a:blip>
@@ -5111,7 +5087,7 @@
           <p:cNvPr id="24" name="그림 23">
             <a:extLst>
               <a:ext uri="{FF2B5EF4-FFF2-40B4-BE49-F238E27FC236}">
-                <a16:creationId xmlns:a16="http://schemas.microsoft.com/office/drawing/2014/main" xmlns="" id="{E28B7622-E4FB-43F4-9357-8ACDFB0CC6B5}"/>
+                <a16:creationId xmlns:a16="http://schemas.microsoft.com/office/drawing/2014/main" id="{E28B7622-E4FB-43F4-9357-8ACDFB0CC6B5}"/>
               </a:ext>
             </a:extLst>
           </p:cNvPr>
@@ -5121,7 +5097,7 @@
           <p:nvPr/>
         </p:nvPicPr>
         <p:blipFill>
-          <a:blip r:embed="rId4" cstate="print"/>
+          <a:blip r:embed="rId4"/>
           <a:stretch>
             <a:fillRect/>
           </a:stretch>
@@ -5141,7 +5117,7 @@
           <p:cNvPr id="26" name="그래픽 25" descr="오른쪽을 가리키는 검지 ">
             <a:extLst>
               <a:ext uri="{FF2B5EF4-FFF2-40B4-BE49-F238E27FC236}">
-                <a16:creationId xmlns:a16="http://schemas.microsoft.com/office/drawing/2014/main" xmlns="" id="{BAFECD07-A9B1-4E6E-B3BE-D12EC0D8C287}"/>
+                <a16:creationId xmlns:a16="http://schemas.microsoft.com/office/drawing/2014/main" id="{BAFECD07-A9B1-4E6E-B3BE-D12EC0D8C287}"/>
               </a:ext>
             </a:extLst>
           </p:cNvPr>
@@ -5151,13 +5127,13 @@
           <p:nvPr/>
         </p:nvPicPr>
         <p:blipFill>
-          <a:blip r:embed="rId5" cstate="print">
+          <a:blip r:embed="rId5">
             <a:extLst>
               <a:ext uri="{28A0092B-C50C-407E-A947-70E740481C1C}">
-                <a14:useLocalDpi xmlns:a14="http://schemas.microsoft.com/office/drawing/2010/main" xmlns="" val="0"/>
+                <a14:useLocalDpi xmlns:a14="http://schemas.microsoft.com/office/drawing/2010/main" val="0"/>
               </a:ext>
               <a:ext uri="{96DAC541-7B7A-43D3-8B79-37D633B846F1}">
-                <asvg:svgBlip xmlns:asvg="http://schemas.microsoft.com/office/drawing/2016/SVG/main" xmlns="" r:embed="rId6"/>
+                <asvg:svgBlip xmlns:asvg="http://schemas.microsoft.com/office/drawing/2016/SVG/main" r:embed="rId6"/>
               </a:ext>
             </a:extLst>
           </a:blip>
@@ -5180,7 +5156,7 @@
           <p:cNvPr id="48" name="그래픽 47" descr="오른쪽을 가리키는 검지 ">
             <a:extLst>
               <a:ext uri="{FF2B5EF4-FFF2-40B4-BE49-F238E27FC236}">
-                <a16:creationId xmlns:a16="http://schemas.microsoft.com/office/drawing/2014/main" xmlns="" id="{E1A81D45-5DBF-4508-A42A-015EA2B582F7}"/>
+                <a16:creationId xmlns:a16="http://schemas.microsoft.com/office/drawing/2014/main" id="{E1A81D45-5DBF-4508-A42A-015EA2B582F7}"/>
               </a:ext>
             </a:extLst>
           </p:cNvPr>
@@ -5190,13 +5166,13 @@
           <p:nvPr/>
         </p:nvPicPr>
         <p:blipFill>
-          <a:blip r:embed="rId5" cstate="print">
+          <a:blip r:embed="rId5">
             <a:extLst>
               <a:ext uri="{28A0092B-C50C-407E-A947-70E740481C1C}">
-                <a14:useLocalDpi xmlns:a14="http://schemas.microsoft.com/office/drawing/2010/main" xmlns="" val="0"/>
+                <a14:useLocalDpi xmlns:a14="http://schemas.microsoft.com/office/drawing/2010/main" val="0"/>
               </a:ext>
               <a:ext uri="{96DAC541-7B7A-43D3-8B79-37D633B846F1}">
-                <asvg:svgBlip xmlns:asvg="http://schemas.microsoft.com/office/drawing/2016/SVG/main" xmlns="" r:embed="rId6"/>
+                <asvg:svgBlip xmlns:asvg="http://schemas.microsoft.com/office/drawing/2016/SVG/main" r:embed="rId6"/>
               </a:ext>
             </a:extLst>
           </a:blip>
@@ -5217,7 +5193,7 @@
     </p:spTree>
     <p:extLst>
       <p:ext uri="{BB962C8B-B14F-4D97-AF65-F5344CB8AC3E}">
-        <p14:creationId xmlns:p14="http://schemas.microsoft.com/office/powerpoint/2010/main" xmlns="" val="2509122058"/>
+        <p14:creationId xmlns:p14="http://schemas.microsoft.com/office/powerpoint/2010/main" val="2509122058"/>
       </p:ext>
     </p:extLst>
   </p:cSld>
@@ -5583,7 +5559,7 @@
           <p:cNvPr id="2" name="제목 1">
             <a:extLst>
               <a:ext uri="{FF2B5EF4-FFF2-40B4-BE49-F238E27FC236}">
-                <a16:creationId xmlns:a16="http://schemas.microsoft.com/office/drawing/2014/main" xmlns="" id="{BBA84211-1FDA-48F9-BA4E-9013EED0D308}"/>
+                <a16:creationId xmlns:a16="http://schemas.microsoft.com/office/drawing/2014/main" id="{BBA84211-1FDA-48F9-BA4E-9013EED0D308}"/>
               </a:ext>
             </a:extLst>
           </p:cNvPr>
@@ -5635,7 +5611,7 @@
           <p:cNvPr id="7" name="화살표: 오각형 6">
             <a:extLst>
               <a:ext uri="{FF2B5EF4-FFF2-40B4-BE49-F238E27FC236}">
-                <a16:creationId xmlns:a16="http://schemas.microsoft.com/office/drawing/2014/main" xmlns="" id="{540202DC-972C-449E-8D40-20FEA4C299C9}"/>
+                <a16:creationId xmlns:a16="http://schemas.microsoft.com/office/drawing/2014/main" id="{540202DC-972C-449E-8D40-20FEA4C299C9}"/>
               </a:ext>
             </a:extLst>
           </p:cNvPr>
@@ -5697,7 +5673,7 @@
           <p:cNvPr id="8" name="직사각형 7">
             <a:extLst>
               <a:ext uri="{FF2B5EF4-FFF2-40B4-BE49-F238E27FC236}">
-                <a16:creationId xmlns:a16="http://schemas.microsoft.com/office/drawing/2014/main" xmlns="" id="{4299E079-099C-4FC6-AB96-60D79AC533F3}"/>
+                <a16:creationId xmlns:a16="http://schemas.microsoft.com/office/drawing/2014/main" id="{4299E079-099C-4FC6-AB96-60D79AC533F3}"/>
               </a:ext>
             </a:extLst>
           </p:cNvPr>
@@ -5803,7 +5779,7 @@
           <p:cNvPr id="9" name="직사각형 8">
             <a:extLst>
               <a:ext uri="{FF2B5EF4-FFF2-40B4-BE49-F238E27FC236}">
-                <a16:creationId xmlns:a16="http://schemas.microsoft.com/office/drawing/2014/main" xmlns="" id="{0CDB3C7F-3D41-42C4-8A8A-60BE47CE7F38}"/>
+                <a16:creationId xmlns:a16="http://schemas.microsoft.com/office/drawing/2014/main" id="{0CDB3C7F-3D41-42C4-8A8A-60BE47CE7F38}"/>
               </a:ext>
             </a:extLst>
           </p:cNvPr>
@@ -5863,7 +5839,7 @@
           <p:cNvPr id="12" name="화살표: 갈매기형 수장 11">
             <a:extLst>
               <a:ext uri="{FF2B5EF4-FFF2-40B4-BE49-F238E27FC236}">
-                <a16:creationId xmlns:a16="http://schemas.microsoft.com/office/drawing/2014/main" xmlns="" id="{8DBC2EAF-942D-4653-9175-A081AF1E42A7}"/>
+                <a16:creationId xmlns:a16="http://schemas.microsoft.com/office/drawing/2014/main" id="{8DBC2EAF-942D-4653-9175-A081AF1E42A7}"/>
               </a:ext>
             </a:extLst>
           </p:cNvPr>
@@ -5926,7 +5902,7 @@
           <p:cNvPr id="13" name="직선 연결선 12">
             <a:extLst>
               <a:ext uri="{FF2B5EF4-FFF2-40B4-BE49-F238E27FC236}">
-                <a16:creationId xmlns:a16="http://schemas.microsoft.com/office/drawing/2014/main" xmlns="" id="{7F87B08B-16C8-4F52-B5AD-9F05FCF98DEB}"/>
+                <a16:creationId xmlns:a16="http://schemas.microsoft.com/office/drawing/2014/main" id="{7F87B08B-16C8-4F52-B5AD-9F05FCF98DEB}"/>
               </a:ext>
             </a:extLst>
           </p:cNvPr>
@@ -5962,7 +5938,7 @@
           <p:cNvPr id="10" name="TextBox 9">
             <a:extLst>
               <a:ext uri="{FF2B5EF4-FFF2-40B4-BE49-F238E27FC236}">
-                <a16:creationId xmlns:a16="http://schemas.microsoft.com/office/drawing/2014/main" xmlns="" id="{CF9D04F5-6A9F-47D0-ACAD-21C76A43B3BD}"/>
+                <a16:creationId xmlns:a16="http://schemas.microsoft.com/office/drawing/2014/main" id="{CF9D04F5-6A9F-47D0-ACAD-21C76A43B3BD}"/>
               </a:ext>
             </a:extLst>
           </p:cNvPr>
@@ -6344,7 +6320,7 @@
           <p:cNvPr id="3" name="그림 2">
             <a:extLst>
               <a:ext uri="{FF2B5EF4-FFF2-40B4-BE49-F238E27FC236}">
-                <a16:creationId xmlns:a16="http://schemas.microsoft.com/office/drawing/2014/main" xmlns="" id="{D8FDA1C5-F033-4067-9433-0CF39116EA4F}"/>
+                <a16:creationId xmlns:a16="http://schemas.microsoft.com/office/drawing/2014/main" id="{D8FDA1C5-F033-4067-9433-0CF39116EA4F}"/>
               </a:ext>
             </a:extLst>
           </p:cNvPr>
@@ -6354,7 +6330,7 @@
           <p:nvPr/>
         </p:nvPicPr>
         <p:blipFill>
-          <a:blip r:embed="rId2" cstate="print"/>
+          <a:blip r:embed="rId2"/>
           <a:stretch>
             <a:fillRect/>
           </a:stretch>
@@ -6372,7 +6348,7 @@
     </p:spTree>
     <p:extLst>
       <p:ext uri="{BB962C8B-B14F-4D97-AF65-F5344CB8AC3E}">
-        <p14:creationId xmlns:p14="http://schemas.microsoft.com/office/powerpoint/2010/main" xmlns="" val="2978833871"/>
+        <p14:creationId xmlns:p14="http://schemas.microsoft.com/office/powerpoint/2010/main" val="2978833871"/>
       </p:ext>
     </p:extLst>
   </p:cSld>
@@ -6404,7 +6380,7 @@
           <p:cNvPr id="2" name="제목 1">
             <a:extLst>
               <a:ext uri="{FF2B5EF4-FFF2-40B4-BE49-F238E27FC236}">
-                <a16:creationId xmlns:a16="http://schemas.microsoft.com/office/drawing/2014/main" xmlns="" id="{BBA84211-1FDA-48F9-BA4E-9013EED0D308}"/>
+                <a16:creationId xmlns:a16="http://schemas.microsoft.com/office/drawing/2014/main" id="{BBA84211-1FDA-48F9-BA4E-9013EED0D308}"/>
               </a:ext>
             </a:extLst>
           </p:cNvPr>
@@ -6456,7 +6432,7 @@
           <p:cNvPr id="7" name="화살표: 오각형 6">
             <a:extLst>
               <a:ext uri="{FF2B5EF4-FFF2-40B4-BE49-F238E27FC236}">
-                <a16:creationId xmlns:a16="http://schemas.microsoft.com/office/drawing/2014/main" xmlns="" id="{540202DC-972C-449E-8D40-20FEA4C299C9}"/>
+                <a16:creationId xmlns:a16="http://schemas.microsoft.com/office/drawing/2014/main" id="{540202DC-972C-449E-8D40-20FEA4C299C9}"/>
               </a:ext>
             </a:extLst>
           </p:cNvPr>
@@ -6518,7 +6494,7 @@
           <p:cNvPr id="8" name="직사각형 7">
             <a:extLst>
               <a:ext uri="{FF2B5EF4-FFF2-40B4-BE49-F238E27FC236}">
-                <a16:creationId xmlns:a16="http://schemas.microsoft.com/office/drawing/2014/main" xmlns="" id="{4299E079-099C-4FC6-AB96-60D79AC533F3}"/>
+                <a16:creationId xmlns:a16="http://schemas.microsoft.com/office/drawing/2014/main" id="{4299E079-099C-4FC6-AB96-60D79AC533F3}"/>
               </a:ext>
             </a:extLst>
           </p:cNvPr>
@@ -6624,7 +6600,7 @@
           <p:cNvPr id="9" name="직사각형 8">
             <a:extLst>
               <a:ext uri="{FF2B5EF4-FFF2-40B4-BE49-F238E27FC236}">
-                <a16:creationId xmlns:a16="http://schemas.microsoft.com/office/drawing/2014/main" xmlns="" id="{0CDB3C7F-3D41-42C4-8A8A-60BE47CE7F38}"/>
+                <a16:creationId xmlns:a16="http://schemas.microsoft.com/office/drawing/2014/main" id="{0CDB3C7F-3D41-42C4-8A8A-60BE47CE7F38}"/>
               </a:ext>
             </a:extLst>
           </p:cNvPr>
@@ -6684,7 +6660,7 @@
           <p:cNvPr id="12" name="화살표: 갈매기형 수장 11">
             <a:extLst>
               <a:ext uri="{FF2B5EF4-FFF2-40B4-BE49-F238E27FC236}">
-                <a16:creationId xmlns:a16="http://schemas.microsoft.com/office/drawing/2014/main" xmlns="" id="{8DBC2EAF-942D-4653-9175-A081AF1E42A7}"/>
+                <a16:creationId xmlns:a16="http://schemas.microsoft.com/office/drawing/2014/main" id="{8DBC2EAF-942D-4653-9175-A081AF1E42A7}"/>
               </a:ext>
             </a:extLst>
           </p:cNvPr>
@@ -6747,7 +6723,7 @@
           <p:cNvPr id="13" name="직선 연결선 12">
             <a:extLst>
               <a:ext uri="{FF2B5EF4-FFF2-40B4-BE49-F238E27FC236}">
-                <a16:creationId xmlns:a16="http://schemas.microsoft.com/office/drawing/2014/main" xmlns="" id="{7F87B08B-16C8-4F52-B5AD-9F05FCF98DEB}"/>
+                <a16:creationId xmlns:a16="http://schemas.microsoft.com/office/drawing/2014/main" id="{7F87B08B-16C8-4F52-B5AD-9F05FCF98DEB}"/>
               </a:ext>
             </a:extLst>
           </p:cNvPr>
@@ -6783,7 +6759,7 @@
           <p:cNvPr id="10" name="그림 9">
             <a:extLst>
               <a:ext uri="{FF2B5EF4-FFF2-40B4-BE49-F238E27FC236}">
-                <a16:creationId xmlns:a16="http://schemas.microsoft.com/office/drawing/2014/main" xmlns="" id="{B78D4A45-9F84-4981-B821-251BAA8F9DBB}"/>
+                <a16:creationId xmlns:a16="http://schemas.microsoft.com/office/drawing/2014/main" id="{B78D4A45-9F84-4981-B821-251BAA8F9DBB}"/>
               </a:ext>
             </a:extLst>
           </p:cNvPr>
@@ -6793,7 +6769,7 @@
           <p:nvPr/>
         </p:nvPicPr>
         <p:blipFill>
-          <a:blip r:embed="rId2" cstate="print"/>
+          <a:blip r:embed="rId2"/>
           <a:stretch>
             <a:fillRect/>
           </a:stretch>
@@ -6813,7 +6789,7 @@
           <p:cNvPr id="3" name="그림 2">
             <a:extLst>
               <a:ext uri="{FF2B5EF4-FFF2-40B4-BE49-F238E27FC236}">
-                <a16:creationId xmlns:a16="http://schemas.microsoft.com/office/drawing/2014/main" xmlns="" id="{46FC786F-85C2-4BBD-A141-2F7A4EA953C0}"/>
+                <a16:creationId xmlns:a16="http://schemas.microsoft.com/office/drawing/2014/main" id="{46FC786F-85C2-4BBD-A141-2F7A4EA953C0}"/>
               </a:ext>
             </a:extLst>
           </p:cNvPr>
@@ -6823,7 +6799,7 @@
           <p:nvPr/>
         </p:nvPicPr>
         <p:blipFill>
-          <a:blip r:embed="rId3" cstate="print"/>
+          <a:blip r:embed="rId3"/>
           <a:stretch>
             <a:fillRect/>
           </a:stretch>
@@ -6841,7 +6817,7 @@
     </p:spTree>
     <p:extLst>
       <p:ext uri="{BB962C8B-B14F-4D97-AF65-F5344CB8AC3E}">
-        <p14:creationId xmlns:p14="http://schemas.microsoft.com/office/powerpoint/2010/main" xmlns="" val="2223985231"/>
+        <p14:creationId xmlns:p14="http://schemas.microsoft.com/office/powerpoint/2010/main" val="2223985231"/>
       </p:ext>
     </p:extLst>
   </p:cSld>
@@ -7002,7 +6978,7 @@
           <p:cNvPr id="2" name="제목 1">
             <a:extLst>
               <a:ext uri="{FF2B5EF4-FFF2-40B4-BE49-F238E27FC236}">
-                <a16:creationId xmlns:a16="http://schemas.microsoft.com/office/drawing/2014/main" xmlns="" id="{BBA84211-1FDA-48F9-BA4E-9013EED0D308}"/>
+                <a16:creationId xmlns:a16="http://schemas.microsoft.com/office/drawing/2014/main" id="{BBA84211-1FDA-48F9-BA4E-9013EED0D308}"/>
               </a:ext>
             </a:extLst>
           </p:cNvPr>
@@ -7054,7 +7030,7 @@
           <p:cNvPr id="7" name="화살표: 오각형 6">
             <a:extLst>
               <a:ext uri="{FF2B5EF4-FFF2-40B4-BE49-F238E27FC236}">
-                <a16:creationId xmlns:a16="http://schemas.microsoft.com/office/drawing/2014/main" xmlns="" id="{540202DC-972C-449E-8D40-20FEA4C299C9}"/>
+                <a16:creationId xmlns:a16="http://schemas.microsoft.com/office/drawing/2014/main" id="{540202DC-972C-449E-8D40-20FEA4C299C9}"/>
               </a:ext>
             </a:extLst>
           </p:cNvPr>
@@ -7116,7 +7092,7 @@
           <p:cNvPr id="8" name="직사각형 7">
             <a:extLst>
               <a:ext uri="{FF2B5EF4-FFF2-40B4-BE49-F238E27FC236}">
-                <a16:creationId xmlns:a16="http://schemas.microsoft.com/office/drawing/2014/main" xmlns="" id="{4299E079-099C-4FC6-AB96-60D79AC533F3}"/>
+                <a16:creationId xmlns:a16="http://schemas.microsoft.com/office/drawing/2014/main" id="{4299E079-099C-4FC6-AB96-60D79AC533F3}"/>
               </a:ext>
             </a:extLst>
           </p:cNvPr>
@@ -7222,7 +7198,7 @@
           <p:cNvPr id="9" name="직사각형 8">
             <a:extLst>
               <a:ext uri="{FF2B5EF4-FFF2-40B4-BE49-F238E27FC236}">
-                <a16:creationId xmlns:a16="http://schemas.microsoft.com/office/drawing/2014/main" xmlns="" id="{0CDB3C7F-3D41-42C4-8A8A-60BE47CE7F38}"/>
+                <a16:creationId xmlns:a16="http://schemas.microsoft.com/office/drawing/2014/main" id="{0CDB3C7F-3D41-42C4-8A8A-60BE47CE7F38}"/>
               </a:ext>
             </a:extLst>
           </p:cNvPr>
@@ -7282,7 +7258,7 @@
           <p:cNvPr id="12" name="화살표: 갈매기형 수장 11">
             <a:extLst>
               <a:ext uri="{FF2B5EF4-FFF2-40B4-BE49-F238E27FC236}">
-                <a16:creationId xmlns:a16="http://schemas.microsoft.com/office/drawing/2014/main" xmlns="" id="{8DBC2EAF-942D-4653-9175-A081AF1E42A7}"/>
+                <a16:creationId xmlns:a16="http://schemas.microsoft.com/office/drawing/2014/main" id="{8DBC2EAF-942D-4653-9175-A081AF1E42A7}"/>
               </a:ext>
             </a:extLst>
           </p:cNvPr>
@@ -7345,7 +7321,7 @@
           <p:cNvPr id="13" name="직선 연결선 12">
             <a:extLst>
               <a:ext uri="{FF2B5EF4-FFF2-40B4-BE49-F238E27FC236}">
-                <a16:creationId xmlns:a16="http://schemas.microsoft.com/office/drawing/2014/main" xmlns="" id="{7F87B08B-16C8-4F52-B5AD-9F05FCF98DEB}"/>
+                <a16:creationId xmlns:a16="http://schemas.microsoft.com/office/drawing/2014/main" id="{7F87B08B-16C8-4F52-B5AD-9F05FCF98DEB}"/>
               </a:ext>
             </a:extLst>
           </p:cNvPr>
@@ -7381,7 +7357,7 @@
           <p:cNvPr id="5" name="그림 4">
             <a:extLst>
               <a:ext uri="{FF2B5EF4-FFF2-40B4-BE49-F238E27FC236}">
-                <a16:creationId xmlns:a16="http://schemas.microsoft.com/office/drawing/2014/main" xmlns="" id="{9F17B13F-24F1-49CE-87AB-E699495619BB}"/>
+                <a16:creationId xmlns:a16="http://schemas.microsoft.com/office/drawing/2014/main" id="{9F17B13F-24F1-49CE-87AB-E699495619BB}"/>
               </a:ext>
             </a:extLst>
           </p:cNvPr>
@@ -7391,7 +7367,7 @@
           <p:nvPr/>
         </p:nvPicPr>
         <p:blipFill>
-          <a:blip r:embed="rId2" cstate="print"/>
+          <a:blip r:embed="rId2"/>
           <a:stretch>
             <a:fillRect/>
           </a:stretch>
@@ -7411,7 +7387,7 @@
           <p:cNvPr id="6" name="그림 5">
             <a:extLst>
               <a:ext uri="{FF2B5EF4-FFF2-40B4-BE49-F238E27FC236}">
-                <a16:creationId xmlns:a16="http://schemas.microsoft.com/office/drawing/2014/main" xmlns="" id="{636447F8-4280-4654-B709-170A226DD386}"/>
+                <a16:creationId xmlns:a16="http://schemas.microsoft.com/office/drawing/2014/main" id="{636447F8-4280-4654-B709-170A226DD386}"/>
               </a:ext>
             </a:extLst>
           </p:cNvPr>
@@ -7421,7 +7397,7 @@
           <p:nvPr/>
         </p:nvPicPr>
         <p:blipFill>
-          <a:blip r:embed="rId3" cstate="print"/>
+          <a:blip r:embed="rId3"/>
           <a:stretch>
             <a:fillRect/>
           </a:stretch>
@@ -7441,7 +7417,7 @@
           <p:cNvPr id="14" name="TextBox 13">
             <a:extLst>
               <a:ext uri="{FF2B5EF4-FFF2-40B4-BE49-F238E27FC236}">
-                <a16:creationId xmlns:a16="http://schemas.microsoft.com/office/drawing/2014/main" xmlns="" id="{2CC42966-897A-4363-BB0F-CF6FE895A9FE}"/>
+                <a16:creationId xmlns:a16="http://schemas.microsoft.com/office/drawing/2014/main" id="{2CC42966-897A-4363-BB0F-CF6FE895A9FE}"/>
               </a:ext>
             </a:extLst>
           </p:cNvPr>
@@ -7595,7 +7571,7 @@
     </p:spTree>
     <p:extLst>
       <p:ext uri="{BB962C8B-B14F-4D97-AF65-F5344CB8AC3E}">
-        <p14:creationId xmlns:p14="http://schemas.microsoft.com/office/powerpoint/2010/main" xmlns="" val="3733377750"/>
+        <p14:creationId xmlns:p14="http://schemas.microsoft.com/office/powerpoint/2010/main" val="3733377750"/>
       </p:ext>
     </p:extLst>
   </p:cSld>
@@ -7627,7 +7603,7 @@
           <p:cNvPr id="2" name="제목 1">
             <a:extLst>
               <a:ext uri="{FF2B5EF4-FFF2-40B4-BE49-F238E27FC236}">
-                <a16:creationId xmlns:a16="http://schemas.microsoft.com/office/drawing/2014/main" xmlns="" id="{49AF6928-0D92-4AE1-BF9D-7C48D1F7D68E}"/>
+                <a16:creationId xmlns:a16="http://schemas.microsoft.com/office/drawing/2014/main" id="{49AF6928-0D92-4AE1-BF9D-7C48D1F7D68E}"/>
               </a:ext>
             </a:extLst>
           </p:cNvPr>
@@ -7665,7 +7641,7 @@
     </p:spTree>
     <p:extLst>
       <p:ext uri="{BB962C8B-B14F-4D97-AF65-F5344CB8AC3E}">
-        <p14:creationId xmlns:p14="http://schemas.microsoft.com/office/powerpoint/2010/main" xmlns="" val="1484487666"/>
+        <p14:creationId xmlns:p14="http://schemas.microsoft.com/office/powerpoint/2010/main" val="1484487666"/>
       </p:ext>
     </p:extLst>
   </p:cSld>
@@ -7697,7 +7673,7 @@
           <p:cNvPr id="19" name="직사각형 18">
             <a:extLst>
               <a:ext uri="{FF2B5EF4-FFF2-40B4-BE49-F238E27FC236}">
-                <a16:creationId xmlns:a16="http://schemas.microsoft.com/office/drawing/2014/main" xmlns="" id="{0580FFE7-0154-437C-A351-5C0FA8D7EDB3}"/>
+                <a16:creationId xmlns:a16="http://schemas.microsoft.com/office/drawing/2014/main" id="{0580FFE7-0154-437C-A351-5C0FA8D7EDB3}"/>
               </a:ext>
             </a:extLst>
           </p:cNvPr>
@@ -7754,7 +7730,7 @@
           <p:cNvPr id="2" name="제목 1">
             <a:extLst>
               <a:ext uri="{FF2B5EF4-FFF2-40B4-BE49-F238E27FC236}">
-                <a16:creationId xmlns:a16="http://schemas.microsoft.com/office/drawing/2014/main" xmlns="" id="{7F510CC2-7B30-41ED-95F0-0C20D11BF611}"/>
+                <a16:creationId xmlns:a16="http://schemas.microsoft.com/office/drawing/2014/main" id="{7F510CC2-7B30-41ED-95F0-0C20D11BF611}"/>
               </a:ext>
             </a:extLst>
           </p:cNvPr>
@@ -7795,7 +7771,7 @@
           <p:cNvPr id="3" name="순서도: 연결자 2">
             <a:extLst>
               <a:ext uri="{FF2B5EF4-FFF2-40B4-BE49-F238E27FC236}">
-                <a16:creationId xmlns:a16="http://schemas.microsoft.com/office/drawing/2014/main" xmlns="" id="{22976C8E-E65A-4402-A647-7385D30602DD}"/>
+                <a16:creationId xmlns:a16="http://schemas.microsoft.com/office/drawing/2014/main" id="{22976C8E-E65A-4402-A647-7385D30602DD}"/>
               </a:ext>
             </a:extLst>
           </p:cNvPr>
@@ -7857,7 +7833,7 @@
           <p:cNvPr id="13" name="TextBox 12">
             <a:extLst>
               <a:ext uri="{FF2B5EF4-FFF2-40B4-BE49-F238E27FC236}">
-                <a16:creationId xmlns:a16="http://schemas.microsoft.com/office/drawing/2014/main" xmlns="" id="{6B541D98-2FAB-462B-9AEF-72CCBEBF0E0D}"/>
+                <a16:creationId xmlns:a16="http://schemas.microsoft.com/office/drawing/2014/main" id="{6B541D98-2FAB-462B-9AEF-72CCBEBF0E0D}"/>
               </a:ext>
             </a:extLst>
           </p:cNvPr>
@@ -8026,7 +8002,7 @@
           <p:cNvPr id="14" name="TextBox 13">
             <a:extLst>
               <a:ext uri="{FF2B5EF4-FFF2-40B4-BE49-F238E27FC236}">
-                <a16:creationId xmlns:a16="http://schemas.microsoft.com/office/drawing/2014/main" xmlns="" id="{5871DBCE-94A4-431D-8E20-9C359ABA5446}"/>
+                <a16:creationId xmlns:a16="http://schemas.microsoft.com/office/drawing/2014/main" id="{5871DBCE-94A4-431D-8E20-9C359ABA5446}"/>
               </a:ext>
             </a:extLst>
           </p:cNvPr>
@@ -8127,7 +8103,7 @@
           <p:cNvPr id="15" name="TextBox 14">
             <a:extLst>
               <a:ext uri="{FF2B5EF4-FFF2-40B4-BE49-F238E27FC236}">
-                <a16:creationId xmlns:a16="http://schemas.microsoft.com/office/drawing/2014/main" xmlns="" id="{0B697884-4905-4D00-8A94-25562EC24F04}"/>
+                <a16:creationId xmlns:a16="http://schemas.microsoft.com/office/drawing/2014/main" id="{0B697884-4905-4D00-8A94-25562EC24F04}"/>
               </a:ext>
             </a:extLst>
           </p:cNvPr>
@@ -8188,7 +8164,7 @@
           <p:cNvPr id="16" name="직사각형 15">
             <a:extLst>
               <a:ext uri="{FF2B5EF4-FFF2-40B4-BE49-F238E27FC236}">
-                <a16:creationId xmlns:a16="http://schemas.microsoft.com/office/drawing/2014/main" xmlns="" id="{9DB5C34C-E1E4-4579-BCDD-E755E113A26B}"/>
+                <a16:creationId xmlns:a16="http://schemas.microsoft.com/office/drawing/2014/main" id="{9DB5C34C-E1E4-4579-BCDD-E755E113A26B}"/>
               </a:ext>
             </a:extLst>
           </p:cNvPr>
@@ -8247,7 +8223,7 @@
           <p:cNvPr id="17" name="직사각형 16">
             <a:extLst>
               <a:ext uri="{FF2B5EF4-FFF2-40B4-BE49-F238E27FC236}">
-                <a16:creationId xmlns:a16="http://schemas.microsoft.com/office/drawing/2014/main" xmlns="" id="{697C215F-DB2D-4BC1-AA27-737ED25B0500}"/>
+                <a16:creationId xmlns:a16="http://schemas.microsoft.com/office/drawing/2014/main" id="{697C215F-DB2D-4BC1-AA27-737ED25B0500}"/>
               </a:ext>
             </a:extLst>
           </p:cNvPr>
@@ -8330,7 +8306,7 @@
           <p:cNvPr id="18" name="직사각형 17">
             <a:extLst>
               <a:ext uri="{FF2B5EF4-FFF2-40B4-BE49-F238E27FC236}">
-                <a16:creationId xmlns:a16="http://schemas.microsoft.com/office/drawing/2014/main" xmlns="" id="{3E4D7615-62E8-4CBE-8470-F6B7351E27F7}"/>
+                <a16:creationId xmlns:a16="http://schemas.microsoft.com/office/drawing/2014/main" id="{3E4D7615-62E8-4CBE-8470-F6B7351E27F7}"/>
               </a:ext>
             </a:extLst>
           </p:cNvPr>
@@ -8419,7 +8395,7 @@
           <p:cNvPr id="20" name="직사각형 19">
             <a:extLst>
               <a:ext uri="{FF2B5EF4-FFF2-40B4-BE49-F238E27FC236}">
-                <a16:creationId xmlns:a16="http://schemas.microsoft.com/office/drawing/2014/main" xmlns="" id="{53710060-77BF-4CE6-9929-E5F03B40AFAB}"/>
+                <a16:creationId xmlns:a16="http://schemas.microsoft.com/office/drawing/2014/main" id="{53710060-77BF-4CE6-9929-E5F03B40AFAB}"/>
               </a:ext>
             </a:extLst>
           </p:cNvPr>
@@ -8474,7 +8450,7 @@
           <p:cNvPr id="6" name="직선 연결선 5">
             <a:extLst>
               <a:ext uri="{FF2B5EF4-FFF2-40B4-BE49-F238E27FC236}">
-                <a16:creationId xmlns:a16="http://schemas.microsoft.com/office/drawing/2014/main" xmlns="" id="{A05C88DA-A718-4E36-90EE-F7830A63E184}"/>
+                <a16:creationId xmlns:a16="http://schemas.microsoft.com/office/drawing/2014/main" id="{A05C88DA-A718-4E36-90EE-F7830A63E184}"/>
               </a:ext>
             </a:extLst>
           </p:cNvPr>
@@ -8515,7 +8491,7 @@
           <p:cNvPr id="21" name="직선 연결선 20">
             <a:extLst>
               <a:ext uri="{FF2B5EF4-FFF2-40B4-BE49-F238E27FC236}">
-                <a16:creationId xmlns:a16="http://schemas.microsoft.com/office/drawing/2014/main" xmlns="" id="{AAEB95F7-49BB-41E4-B4EF-5D654B8E730A}"/>
+                <a16:creationId xmlns:a16="http://schemas.microsoft.com/office/drawing/2014/main" id="{AAEB95F7-49BB-41E4-B4EF-5D654B8E730A}"/>
               </a:ext>
             </a:extLst>
           </p:cNvPr>
@@ -8556,7 +8532,7 @@
           <p:cNvPr id="22" name="직선 연결선 21">
             <a:extLst>
               <a:ext uri="{FF2B5EF4-FFF2-40B4-BE49-F238E27FC236}">
-                <a16:creationId xmlns:a16="http://schemas.microsoft.com/office/drawing/2014/main" xmlns="" id="{34554309-4455-4624-A906-D2C6991AC87F}"/>
+                <a16:creationId xmlns:a16="http://schemas.microsoft.com/office/drawing/2014/main" id="{34554309-4455-4624-A906-D2C6991AC87F}"/>
               </a:ext>
             </a:extLst>
           </p:cNvPr>
@@ -8597,7 +8573,7 @@
           <p:cNvPr id="23" name="순서도: 연결자 22">
             <a:extLst>
               <a:ext uri="{FF2B5EF4-FFF2-40B4-BE49-F238E27FC236}">
-                <a16:creationId xmlns:a16="http://schemas.microsoft.com/office/drawing/2014/main" xmlns="" id="{BD1591CF-E35B-4578-9134-007101B8F94F}"/>
+                <a16:creationId xmlns:a16="http://schemas.microsoft.com/office/drawing/2014/main" id="{BD1591CF-E35B-4578-9134-007101B8F94F}"/>
               </a:ext>
             </a:extLst>
           </p:cNvPr>
@@ -8659,7 +8635,7 @@
           <p:cNvPr id="24" name="순서도: 연결자 23">
             <a:extLst>
               <a:ext uri="{FF2B5EF4-FFF2-40B4-BE49-F238E27FC236}">
-                <a16:creationId xmlns:a16="http://schemas.microsoft.com/office/drawing/2014/main" xmlns="" id="{E40B5791-F7C3-4EF4-B507-7FA343B88B58}"/>
+                <a16:creationId xmlns:a16="http://schemas.microsoft.com/office/drawing/2014/main" id="{E40B5791-F7C3-4EF4-B507-7FA343B88B58}"/>
               </a:ext>
             </a:extLst>
           </p:cNvPr>
@@ -8719,7 +8695,7 @@
     </p:spTree>
     <p:extLst>
       <p:ext uri="{BB962C8B-B14F-4D97-AF65-F5344CB8AC3E}">
-        <p14:creationId xmlns:p14="http://schemas.microsoft.com/office/powerpoint/2010/main" xmlns="" val="2062882139"/>
+        <p14:creationId xmlns:p14="http://schemas.microsoft.com/office/powerpoint/2010/main" val="2062882139"/>
       </p:ext>
     </p:extLst>
   </p:cSld>
@@ -8751,7 +8727,7 @@
           <p:cNvPr id="4" name="Rectangle 2">
             <a:extLst>
               <a:ext uri="{FF2B5EF4-FFF2-40B4-BE49-F238E27FC236}">
-                <a16:creationId xmlns:a16="http://schemas.microsoft.com/office/drawing/2014/main" xmlns="" id="{92E6B0D8-B232-4062-BC9D-6D099D3EEE38}"/>
+                <a16:creationId xmlns:a16="http://schemas.microsoft.com/office/drawing/2014/main" id="{92E6B0D8-B232-4062-BC9D-6D099D3EEE38}"/>
               </a:ext>
             </a:extLst>
           </p:cNvPr>
@@ -8777,7 +8753,7 @@
           <a:effectLst/>
           <a:extLst>
             <a:ext uri="{91240B29-F687-4F45-9708-019B960494DF}">
-              <a14:hiddenLine xmlns:a14="http://schemas.microsoft.com/office/drawing/2010/main" xmlns="" w="9525">
+              <a14:hiddenLine xmlns:a14="http://schemas.microsoft.com/office/drawing/2010/main" w="9525">
                 <a:solidFill>
                   <a:schemeClr val="tx1"/>
                 </a:solidFill>
@@ -8787,7 +8763,7 @@
               </a14:hiddenLine>
             </a:ext>
             <a:ext uri="{AF507438-7753-43E0-B8FC-AC1667EBCBE1}">
-              <a14:hiddenEffects xmlns:a14="http://schemas.microsoft.com/office/drawing/2010/main" xmlns="">
+              <a14:hiddenEffects xmlns:a14="http://schemas.microsoft.com/office/drawing/2010/main">
                 <a:effectLst>
                   <a:outerShdw dist="35921" dir="2700000" algn="ctr" rotWithShape="0">
                     <a:schemeClr val="bg2"/>
@@ -8818,7 +8794,7 @@
           <p:cNvPr id="6" name="제목 5">
             <a:extLst>
               <a:ext uri="{FF2B5EF4-FFF2-40B4-BE49-F238E27FC236}">
-                <a16:creationId xmlns:a16="http://schemas.microsoft.com/office/drawing/2014/main" xmlns="" id="{17F27A91-6137-4A9F-A6CF-5815937323B9}"/>
+                <a16:creationId xmlns:a16="http://schemas.microsoft.com/office/drawing/2014/main" id="{17F27A91-6137-4A9F-A6CF-5815937323B9}"/>
               </a:ext>
             </a:extLst>
           </p:cNvPr>
@@ -8891,7 +8867,7 @@
           <p:cNvPr id="8" name="화살표: 오각형 7">
             <a:extLst>
               <a:ext uri="{FF2B5EF4-FFF2-40B4-BE49-F238E27FC236}">
-                <a16:creationId xmlns:a16="http://schemas.microsoft.com/office/drawing/2014/main" xmlns="" id="{1A32615D-1F4E-45DD-B70A-9D149E6EE9D0}"/>
+                <a16:creationId xmlns:a16="http://schemas.microsoft.com/office/drawing/2014/main" id="{1A32615D-1F4E-45DD-B70A-9D149E6EE9D0}"/>
               </a:ext>
             </a:extLst>
           </p:cNvPr>
@@ -8953,7 +8929,7 @@
           <p:cNvPr id="12" name="직사각형 11">
             <a:extLst>
               <a:ext uri="{FF2B5EF4-FFF2-40B4-BE49-F238E27FC236}">
-                <a16:creationId xmlns:a16="http://schemas.microsoft.com/office/drawing/2014/main" xmlns="" id="{A0B54301-7168-481E-B055-B86D7E9D506D}"/>
+                <a16:creationId xmlns:a16="http://schemas.microsoft.com/office/drawing/2014/main" id="{A0B54301-7168-481E-B055-B86D7E9D506D}"/>
               </a:ext>
             </a:extLst>
           </p:cNvPr>
@@ -9147,7 +9123,7 @@
           <p:cNvPr id="14" name="화살표: 갈매기형 수장 13">
             <a:extLst>
               <a:ext uri="{FF2B5EF4-FFF2-40B4-BE49-F238E27FC236}">
-                <a16:creationId xmlns:a16="http://schemas.microsoft.com/office/drawing/2014/main" xmlns="" id="{50E1DA07-2E63-4997-98A0-7387AB9D85FD}"/>
+                <a16:creationId xmlns:a16="http://schemas.microsoft.com/office/drawing/2014/main" id="{50E1DA07-2E63-4997-98A0-7387AB9D85FD}"/>
               </a:ext>
             </a:extLst>
           </p:cNvPr>
@@ -9225,7 +9201,7 @@
           <p:cNvPr id="5" name="그래픽 4" descr="사용자">
             <a:extLst>
               <a:ext uri="{FF2B5EF4-FFF2-40B4-BE49-F238E27FC236}">
-                <a16:creationId xmlns:a16="http://schemas.microsoft.com/office/drawing/2014/main" xmlns="" id="{F3994D53-C20A-4D0F-AA69-B779F9273282}"/>
+                <a16:creationId xmlns:a16="http://schemas.microsoft.com/office/drawing/2014/main" id="{F3994D53-C20A-4D0F-AA69-B779F9273282}"/>
               </a:ext>
             </a:extLst>
           </p:cNvPr>
@@ -9235,13 +9211,13 @@
           <p:nvPr/>
         </p:nvPicPr>
         <p:blipFill>
-          <a:blip r:embed="rId2" cstate="print">
+          <a:blip r:embed="rId2">
             <a:extLst>
               <a:ext uri="{28A0092B-C50C-407E-A947-70E740481C1C}">
-                <a14:useLocalDpi xmlns:a14="http://schemas.microsoft.com/office/drawing/2010/main" xmlns="" val="0"/>
+                <a14:useLocalDpi xmlns:a14="http://schemas.microsoft.com/office/drawing/2010/main" val="0"/>
               </a:ext>
               <a:ext uri="{96DAC541-7B7A-43D3-8B79-37D633B846F1}">
-                <asvg:svgBlip xmlns:asvg="http://schemas.microsoft.com/office/drawing/2016/SVG/main" xmlns="" r:embed="rId3"/>
+                <asvg:svgBlip xmlns:asvg="http://schemas.microsoft.com/office/drawing/2016/SVG/main" r:embed="rId3"/>
               </a:ext>
             </a:extLst>
           </a:blip>
@@ -9264,7 +9240,7 @@
           <p:cNvPr id="11" name="그래픽 10" descr="무선 라우터">
             <a:extLst>
               <a:ext uri="{FF2B5EF4-FFF2-40B4-BE49-F238E27FC236}">
-                <a16:creationId xmlns:a16="http://schemas.microsoft.com/office/drawing/2014/main" xmlns="" id="{D49007DF-5EF2-400A-BD5C-799F6366BCCC}"/>
+                <a16:creationId xmlns:a16="http://schemas.microsoft.com/office/drawing/2014/main" id="{D49007DF-5EF2-400A-BD5C-799F6366BCCC}"/>
               </a:ext>
             </a:extLst>
           </p:cNvPr>
@@ -9274,13 +9250,13 @@
           <p:nvPr/>
         </p:nvPicPr>
         <p:blipFill>
-          <a:blip r:embed="rId4" cstate="print">
+          <a:blip r:embed="rId4">
             <a:extLst>
               <a:ext uri="{28A0092B-C50C-407E-A947-70E740481C1C}">
-                <a14:useLocalDpi xmlns:a14="http://schemas.microsoft.com/office/drawing/2010/main" xmlns="" val="0"/>
+                <a14:useLocalDpi xmlns:a14="http://schemas.microsoft.com/office/drawing/2010/main" val="0"/>
               </a:ext>
               <a:ext uri="{96DAC541-7B7A-43D3-8B79-37D633B846F1}">
-                <asvg:svgBlip xmlns:asvg="http://schemas.microsoft.com/office/drawing/2016/SVG/main" xmlns="" r:embed="rId5"/>
+                <asvg:svgBlip xmlns:asvg="http://schemas.microsoft.com/office/drawing/2016/SVG/main" r:embed="rId5"/>
               </a:ext>
             </a:extLst>
           </a:blip>
@@ -9303,7 +9279,7 @@
           <p:cNvPr id="25" name="직선 화살표 연결선 24">
             <a:extLst>
               <a:ext uri="{FF2B5EF4-FFF2-40B4-BE49-F238E27FC236}">
-                <a16:creationId xmlns:a16="http://schemas.microsoft.com/office/drawing/2014/main" xmlns="" id="{122DFBA9-5C7A-4E24-9D2B-774064B21CD1}"/>
+                <a16:creationId xmlns:a16="http://schemas.microsoft.com/office/drawing/2014/main" id="{122DFBA9-5C7A-4E24-9D2B-774064B21CD1}"/>
               </a:ext>
             </a:extLst>
           </p:cNvPr>
@@ -9344,7 +9320,7 @@
           <p:cNvPr id="42" name="직선 화살표 연결선 41">
             <a:extLst>
               <a:ext uri="{FF2B5EF4-FFF2-40B4-BE49-F238E27FC236}">
-                <a16:creationId xmlns:a16="http://schemas.microsoft.com/office/drawing/2014/main" xmlns="" id="{09B44285-A07F-416C-B78B-439BB3E5877E}"/>
+                <a16:creationId xmlns:a16="http://schemas.microsoft.com/office/drawing/2014/main" id="{09B44285-A07F-416C-B78B-439BB3E5877E}"/>
               </a:ext>
             </a:extLst>
           </p:cNvPr>
@@ -9386,7 +9362,7 @@
           <p:cNvPr id="9" name="직사각형 8">
             <a:extLst>
               <a:ext uri="{FF2B5EF4-FFF2-40B4-BE49-F238E27FC236}">
-                <a16:creationId xmlns:a16="http://schemas.microsoft.com/office/drawing/2014/main" xmlns="" id="{E64F1D4C-8D7D-441D-8116-9D3731E11686}"/>
+                <a16:creationId xmlns:a16="http://schemas.microsoft.com/office/drawing/2014/main" id="{E64F1D4C-8D7D-441D-8116-9D3731E11686}"/>
               </a:ext>
             </a:extLst>
           </p:cNvPr>
@@ -9450,7 +9426,7 @@
           <p:cNvPr id="10" name="직사각형 9">
             <a:extLst>
               <a:ext uri="{FF2B5EF4-FFF2-40B4-BE49-F238E27FC236}">
-                <a16:creationId xmlns:a16="http://schemas.microsoft.com/office/drawing/2014/main" xmlns="" id="{3320F177-AA1B-4CAE-888D-CD775D8B781F}"/>
+                <a16:creationId xmlns:a16="http://schemas.microsoft.com/office/drawing/2014/main" id="{3320F177-AA1B-4CAE-888D-CD775D8B781F}"/>
               </a:ext>
             </a:extLst>
           </p:cNvPr>
@@ -9514,7 +9490,7 @@
           <p:cNvPr id="51" name="직사각형 50">
             <a:extLst>
               <a:ext uri="{FF2B5EF4-FFF2-40B4-BE49-F238E27FC236}">
-                <a16:creationId xmlns:a16="http://schemas.microsoft.com/office/drawing/2014/main" xmlns="" id="{23C97C2C-0DF5-4C0E-AF7C-4C80E8C41267}"/>
+                <a16:creationId xmlns:a16="http://schemas.microsoft.com/office/drawing/2014/main" id="{23C97C2C-0DF5-4C0E-AF7C-4C80E8C41267}"/>
               </a:ext>
             </a:extLst>
           </p:cNvPr>
@@ -9549,7 +9525,7 @@
           <p:cNvPr id="2" name="그림 1">
             <a:extLst>
               <a:ext uri="{FF2B5EF4-FFF2-40B4-BE49-F238E27FC236}">
-                <a16:creationId xmlns:a16="http://schemas.microsoft.com/office/drawing/2014/main" xmlns="" id="{05DC09ED-9EE8-4B81-B83E-330544C1B28C}"/>
+                <a16:creationId xmlns:a16="http://schemas.microsoft.com/office/drawing/2014/main" id="{05DC09ED-9EE8-4B81-B83E-330544C1B28C}"/>
               </a:ext>
             </a:extLst>
           </p:cNvPr>
@@ -9559,7 +9535,7 @@
           <p:nvPr/>
         </p:nvPicPr>
         <p:blipFill>
-          <a:blip r:embed="rId6" cstate="print"/>
+          <a:blip r:embed="rId6"/>
           <a:stretch>
             <a:fillRect/>
           </a:stretch>
@@ -9579,7 +9555,7 @@
           <p:cNvPr id="15" name="그래픽 14" descr="리모컨">
             <a:extLst>
               <a:ext uri="{FF2B5EF4-FFF2-40B4-BE49-F238E27FC236}">
-                <a16:creationId xmlns:a16="http://schemas.microsoft.com/office/drawing/2014/main" xmlns="" id="{3D000356-A5C7-4071-97AD-4C90A3D87D60}"/>
+                <a16:creationId xmlns:a16="http://schemas.microsoft.com/office/drawing/2014/main" id="{3D000356-A5C7-4071-97AD-4C90A3D87D60}"/>
               </a:ext>
             </a:extLst>
           </p:cNvPr>
@@ -9589,13 +9565,13 @@
           <p:nvPr/>
         </p:nvPicPr>
         <p:blipFill>
-          <a:blip r:embed="rId7" cstate="print">
+          <a:blip r:embed="rId7">
             <a:extLst>
               <a:ext uri="{28A0092B-C50C-407E-A947-70E740481C1C}">
-                <a14:useLocalDpi xmlns:a14="http://schemas.microsoft.com/office/drawing/2010/main" xmlns="" val="0"/>
+                <a14:useLocalDpi xmlns:a14="http://schemas.microsoft.com/office/drawing/2010/main" val="0"/>
               </a:ext>
               <a:ext uri="{96DAC541-7B7A-43D3-8B79-37D633B846F1}">
-                <asvg:svgBlip xmlns:asvg="http://schemas.microsoft.com/office/drawing/2016/SVG/main" xmlns="" r:embed="rId8"/>
+                <asvg:svgBlip xmlns:asvg="http://schemas.microsoft.com/office/drawing/2016/SVG/main" r:embed="rId8"/>
               </a:ext>
             </a:extLst>
           </a:blip>
@@ -9618,7 +9594,7 @@
           <p:cNvPr id="17" name="그림 16">
             <a:extLst>
               <a:ext uri="{FF2B5EF4-FFF2-40B4-BE49-F238E27FC236}">
-                <a16:creationId xmlns:a16="http://schemas.microsoft.com/office/drawing/2014/main" xmlns="" id="{E65EFC7F-45AC-4C01-B276-7323E9B77F1B}"/>
+                <a16:creationId xmlns:a16="http://schemas.microsoft.com/office/drawing/2014/main" id="{E65EFC7F-45AC-4C01-B276-7323E9B77F1B}"/>
               </a:ext>
             </a:extLst>
           </p:cNvPr>
@@ -9628,10 +9604,10 @@
           <p:nvPr/>
         </p:nvPicPr>
         <p:blipFill>
-          <a:blip r:embed="rId9" cstate="print">
+          <a:blip r:embed="rId9">
             <a:extLst>
               <a:ext uri="{28A0092B-C50C-407E-A947-70E740481C1C}">
-                <a14:useLocalDpi xmlns:a14="http://schemas.microsoft.com/office/drawing/2010/main" xmlns="" val="0"/>
+                <a14:useLocalDpi xmlns:a14="http://schemas.microsoft.com/office/drawing/2010/main" val="0"/>
               </a:ext>
             </a:extLst>
           </a:blip>
@@ -9654,7 +9630,7 @@
           <p:cNvPr id="28" name="직선 화살표 연결선 27">
             <a:extLst>
               <a:ext uri="{FF2B5EF4-FFF2-40B4-BE49-F238E27FC236}">
-                <a16:creationId xmlns:a16="http://schemas.microsoft.com/office/drawing/2014/main" xmlns="" id="{AC2D0E31-B366-43C0-BF65-36EFB4C30B21}"/>
+                <a16:creationId xmlns:a16="http://schemas.microsoft.com/office/drawing/2014/main" id="{AC2D0E31-B366-43C0-BF65-36EFB4C30B21}"/>
               </a:ext>
             </a:extLst>
           </p:cNvPr>
@@ -9695,7 +9671,7 @@
           <p:cNvPr id="19" name="그림 18">
             <a:extLst>
               <a:ext uri="{FF2B5EF4-FFF2-40B4-BE49-F238E27FC236}">
-                <a16:creationId xmlns:a16="http://schemas.microsoft.com/office/drawing/2014/main" xmlns="" id="{98F1A548-4E4A-4C30-BE1E-2CEB60D3C598}"/>
+                <a16:creationId xmlns:a16="http://schemas.microsoft.com/office/drawing/2014/main" id="{98F1A548-4E4A-4C30-BE1E-2CEB60D3C598}"/>
               </a:ext>
             </a:extLst>
           </p:cNvPr>
@@ -9705,7 +9681,7 @@
           <p:nvPr/>
         </p:nvPicPr>
         <p:blipFill>
-          <a:blip r:embed="rId10" cstate="print"/>
+          <a:blip r:embed="rId10"/>
           <a:stretch>
             <a:fillRect/>
           </a:stretch>
@@ -9725,7 +9701,7 @@
           <p:cNvPr id="31" name="TextBox 30">
             <a:extLst>
               <a:ext uri="{FF2B5EF4-FFF2-40B4-BE49-F238E27FC236}">
-                <a16:creationId xmlns:a16="http://schemas.microsoft.com/office/drawing/2014/main" xmlns="" id="{FF4EEB6F-D489-4C5B-907C-FCEDD8F25EE8}"/>
+                <a16:creationId xmlns:a16="http://schemas.microsoft.com/office/drawing/2014/main" id="{FF4EEB6F-D489-4C5B-907C-FCEDD8F25EE8}"/>
               </a:ext>
             </a:extLst>
           </p:cNvPr>
@@ -9854,7 +9830,7 @@
     </p:spTree>
     <p:extLst>
       <p:ext uri="{BB962C8B-B14F-4D97-AF65-F5344CB8AC3E}">
-        <p14:creationId xmlns:p14="http://schemas.microsoft.com/office/powerpoint/2010/main" xmlns="" val="2699290451"/>
+        <p14:creationId xmlns:p14="http://schemas.microsoft.com/office/powerpoint/2010/main" val="2699290451"/>
       </p:ext>
     </p:extLst>
   </p:cSld>
@@ -9886,7 +9862,7 @@
           <p:cNvPr id="4" name="Rectangle 2">
             <a:extLst>
               <a:ext uri="{FF2B5EF4-FFF2-40B4-BE49-F238E27FC236}">
-                <a16:creationId xmlns:a16="http://schemas.microsoft.com/office/drawing/2014/main" xmlns="" id="{8090A8F2-BED4-4900-8CE2-D933B87CF3B4}"/>
+                <a16:creationId xmlns:a16="http://schemas.microsoft.com/office/drawing/2014/main" id="{8090A8F2-BED4-4900-8CE2-D933B87CF3B4}"/>
               </a:ext>
             </a:extLst>
           </p:cNvPr>
@@ -9912,7 +9888,7 @@
           <a:effectLst/>
           <a:extLst>
             <a:ext uri="{91240B29-F687-4F45-9708-019B960494DF}">
-              <a14:hiddenLine xmlns:a14="http://schemas.microsoft.com/office/drawing/2010/main" xmlns="" w="9525">
+              <a14:hiddenLine xmlns:a14="http://schemas.microsoft.com/office/drawing/2010/main" w="9525">
                 <a:solidFill>
                   <a:schemeClr val="tx1"/>
                 </a:solidFill>
@@ -9922,7 +9898,7 @@
               </a14:hiddenLine>
             </a:ext>
             <a:ext uri="{AF507438-7753-43E0-B8FC-AC1667EBCBE1}">
-              <a14:hiddenEffects xmlns:a14="http://schemas.microsoft.com/office/drawing/2010/main" xmlns="">
+              <a14:hiddenEffects xmlns:a14="http://schemas.microsoft.com/office/drawing/2010/main">
                 <a:effectLst>
                   <a:outerShdw dist="35921" dir="2700000" algn="ctr" rotWithShape="0">
                     <a:schemeClr val="bg2"/>
@@ -9953,7 +9929,7 @@
           <p:cNvPr id="11" name="화살표: 오각형 10">
             <a:extLst>
               <a:ext uri="{FF2B5EF4-FFF2-40B4-BE49-F238E27FC236}">
-                <a16:creationId xmlns:a16="http://schemas.microsoft.com/office/drawing/2014/main" xmlns="" id="{8A920C81-531A-4108-BF64-91973F7A4442}"/>
+                <a16:creationId xmlns:a16="http://schemas.microsoft.com/office/drawing/2014/main" id="{8A920C81-531A-4108-BF64-91973F7A4442}"/>
               </a:ext>
             </a:extLst>
           </p:cNvPr>
@@ -10015,7 +9991,7 @@
           <p:cNvPr id="3" name="직사각형 2">
             <a:extLst>
               <a:ext uri="{FF2B5EF4-FFF2-40B4-BE49-F238E27FC236}">
-                <a16:creationId xmlns:a16="http://schemas.microsoft.com/office/drawing/2014/main" xmlns="" id="{119D3B1C-FEC6-4211-8309-AFE922A16FE2}"/>
+                <a16:creationId xmlns:a16="http://schemas.microsoft.com/office/drawing/2014/main" id="{119D3B1C-FEC6-4211-8309-AFE922A16FE2}"/>
               </a:ext>
             </a:extLst>
           </p:cNvPr>
@@ -10067,7 +10043,7 @@
           <p:cNvPr id="12" name="직사각형 11">
             <a:extLst>
               <a:ext uri="{FF2B5EF4-FFF2-40B4-BE49-F238E27FC236}">
-                <a16:creationId xmlns:a16="http://schemas.microsoft.com/office/drawing/2014/main" xmlns="" id="{DBC5FBD3-E959-4A86-B3F0-C8420F557DA5}"/>
+                <a16:creationId xmlns:a16="http://schemas.microsoft.com/office/drawing/2014/main" id="{DBC5FBD3-E959-4A86-B3F0-C8420F557DA5}"/>
               </a:ext>
             </a:extLst>
           </p:cNvPr>
@@ -10119,7 +10095,7 @@
           <p:cNvPr id="13" name="직사각형 12">
             <a:extLst>
               <a:ext uri="{FF2B5EF4-FFF2-40B4-BE49-F238E27FC236}">
-                <a16:creationId xmlns:a16="http://schemas.microsoft.com/office/drawing/2014/main" xmlns="" id="{3D3F453F-EB52-4CB5-ACB8-4FBDDB081286}"/>
+                <a16:creationId xmlns:a16="http://schemas.microsoft.com/office/drawing/2014/main" id="{3D3F453F-EB52-4CB5-ACB8-4FBDDB081286}"/>
               </a:ext>
             </a:extLst>
           </p:cNvPr>
@@ -10171,7 +10147,7 @@
           <p:cNvPr id="14" name="직사각형 13">
             <a:extLst>
               <a:ext uri="{FF2B5EF4-FFF2-40B4-BE49-F238E27FC236}">
-                <a16:creationId xmlns:a16="http://schemas.microsoft.com/office/drawing/2014/main" xmlns="" id="{8DF64358-5F3E-481F-A0A0-AAF401213E75}"/>
+                <a16:creationId xmlns:a16="http://schemas.microsoft.com/office/drawing/2014/main" id="{8DF64358-5F3E-481F-A0A0-AAF401213E75}"/>
               </a:ext>
             </a:extLst>
           </p:cNvPr>
@@ -10223,7 +10199,7 @@
           <p:cNvPr id="15" name="직사각형 14">
             <a:extLst>
               <a:ext uri="{FF2B5EF4-FFF2-40B4-BE49-F238E27FC236}">
-                <a16:creationId xmlns:a16="http://schemas.microsoft.com/office/drawing/2014/main" xmlns="" id="{A121A4CA-67DF-45C1-8CD8-C380A5769CAE}"/>
+                <a16:creationId xmlns:a16="http://schemas.microsoft.com/office/drawing/2014/main" id="{A121A4CA-67DF-45C1-8CD8-C380A5769CAE}"/>
               </a:ext>
             </a:extLst>
           </p:cNvPr>
@@ -10293,7 +10269,7 @@
           <p:cNvPr id="17" name="직사각형 16">
             <a:extLst>
               <a:ext uri="{FF2B5EF4-FFF2-40B4-BE49-F238E27FC236}">
-                <a16:creationId xmlns:a16="http://schemas.microsoft.com/office/drawing/2014/main" xmlns="" id="{AD4406BD-A5FF-439C-A0BC-9B3F9341294D}"/>
+                <a16:creationId xmlns:a16="http://schemas.microsoft.com/office/drawing/2014/main" id="{AD4406BD-A5FF-439C-A0BC-9B3F9341294D}"/>
               </a:ext>
             </a:extLst>
           </p:cNvPr>
@@ -10363,7 +10339,7 @@
           <p:cNvPr id="18" name="직사각형 17">
             <a:extLst>
               <a:ext uri="{FF2B5EF4-FFF2-40B4-BE49-F238E27FC236}">
-                <a16:creationId xmlns:a16="http://schemas.microsoft.com/office/drawing/2014/main" xmlns="" id="{0867F753-D176-408E-88BC-508BA4DCD98A}"/>
+                <a16:creationId xmlns:a16="http://schemas.microsoft.com/office/drawing/2014/main" id="{0867F753-D176-408E-88BC-508BA4DCD98A}"/>
               </a:ext>
             </a:extLst>
           </p:cNvPr>
@@ -10453,7 +10429,7 @@
           <p:cNvPr id="19" name="직사각형 18">
             <a:extLst>
               <a:ext uri="{FF2B5EF4-FFF2-40B4-BE49-F238E27FC236}">
-                <a16:creationId xmlns:a16="http://schemas.microsoft.com/office/drawing/2014/main" xmlns="" id="{01CBA07F-0B74-48ED-984F-9627243E99BF}"/>
+                <a16:creationId xmlns:a16="http://schemas.microsoft.com/office/drawing/2014/main" id="{01CBA07F-0B74-48ED-984F-9627243E99BF}"/>
               </a:ext>
             </a:extLst>
           </p:cNvPr>
@@ -10543,7 +10519,7 @@
           <p:cNvPr id="7" name="TextBox 6">
             <a:extLst>
               <a:ext uri="{FF2B5EF4-FFF2-40B4-BE49-F238E27FC236}">
-                <a16:creationId xmlns:a16="http://schemas.microsoft.com/office/drawing/2014/main" xmlns="" id="{C5CD3D68-2479-492E-AEE6-F0C27D924C08}"/>
+                <a16:creationId xmlns:a16="http://schemas.microsoft.com/office/drawing/2014/main" id="{C5CD3D68-2479-492E-AEE6-F0C27D924C08}"/>
               </a:ext>
             </a:extLst>
           </p:cNvPr>
@@ -10602,7 +10578,7 @@
           <p:cNvPr id="21" name="TextBox 20">
             <a:extLst>
               <a:ext uri="{FF2B5EF4-FFF2-40B4-BE49-F238E27FC236}">
-                <a16:creationId xmlns:a16="http://schemas.microsoft.com/office/drawing/2014/main" xmlns="" id="{15E7508C-E906-47F8-9A18-6FB8CE1FE2E5}"/>
+                <a16:creationId xmlns:a16="http://schemas.microsoft.com/office/drawing/2014/main" id="{15E7508C-E906-47F8-9A18-6FB8CE1FE2E5}"/>
               </a:ext>
             </a:extLst>
           </p:cNvPr>
@@ -10661,7 +10637,7 @@
           <p:cNvPr id="22" name="TextBox 21">
             <a:extLst>
               <a:ext uri="{FF2B5EF4-FFF2-40B4-BE49-F238E27FC236}">
-                <a16:creationId xmlns:a16="http://schemas.microsoft.com/office/drawing/2014/main" xmlns="" id="{3A8EE3C0-69E7-43A7-A52D-8B9759513BBD}"/>
+                <a16:creationId xmlns:a16="http://schemas.microsoft.com/office/drawing/2014/main" id="{3A8EE3C0-69E7-43A7-A52D-8B9759513BBD}"/>
               </a:ext>
             </a:extLst>
           </p:cNvPr>
@@ -10706,7 +10682,7 @@
           <p:cNvPr id="23" name="TextBox 22">
             <a:extLst>
               <a:ext uri="{FF2B5EF4-FFF2-40B4-BE49-F238E27FC236}">
-                <a16:creationId xmlns:a16="http://schemas.microsoft.com/office/drawing/2014/main" xmlns="" id="{6A609B89-C151-4DD1-8240-7F83DCD637DD}"/>
+                <a16:creationId xmlns:a16="http://schemas.microsoft.com/office/drawing/2014/main" id="{6A609B89-C151-4DD1-8240-7F83DCD637DD}"/>
               </a:ext>
             </a:extLst>
           </p:cNvPr>
@@ -10808,7 +10784,7 @@
           <p:cNvPr id="24" name="화살표: 갈매기형 수장 23">
             <a:extLst>
               <a:ext uri="{FF2B5EF4-FFF2-40B4-BE49-F238E27FC236}">
-                <a16:creationId xmlns:a16="http://schemas.microsoft.com/office/drawing/2014/main" xmlns="" id="{499092F9-B7DA-4591-A986-69948AF86850}"/>
+                <a16:creationId xmlns:a16="http://schemas.microsoft.com/office/drawing/2014/main" id="{499092F9-B7DA-4591-A986-69948AF86850}"/>
               </a:ext>
             </a:extLst>
           </p:cNvPr>
@@ -10869,7 +10845,7 @@
     </p:spTree>
     <p:extLst>
       <p:ext uri="{BB962C8B-B14F-4D97-AF65-F5344CB8AC3E}">
-        <p14:creationId xmlns:p14="http://schemas.microsoft.com/office/powerpoint/2010/main" xmlns="" val="3264799469"/>
+        <p14:creationId xmlns:p14="http://schemas.microsoft.com/office/powerpoint/2010/main" val="3264799469"/>
       </p:ext>
     </p:extLst>
   </p:cSld>
@@ -10901,7 +10877,7 @@
           <p:cNvPr id="11" name="화살표: 오각형 10">
             <a:extLst>
               <a:ext uri="{FF2B5EF4-FFF2-40B4-BE49-F238E27FC236}">
-                <a16:creationId xmlns:a16="http://schemas.microsoft.com/office/drawing/2014/main" xmlns="" id="{BA457453-5558-4B22-8365-0334FB8DAB48}"/>
+                <a16:creationId xmlns:a16="http://schemas.microsoft.com/office/drawing/2014/main" id="{BA457453-5558-4B22-8365-0334FB8DAB48}"/>
               </a:ext>
             </a:extLst>
           </p:cNvPr>
@@ -10963,7 +10939,7 @@
           <p:cNvPr id="33" name="화살표: 갈매기형 수장 32">
             <a:extLst>
               <a:ext uri="{FF2B5EF4-FFF2-40B4-BE49-F238E27FC236}">
-                <a16:creationId xmlns:a16="http://schemas.microsoft.com/office/drawing/2014/main" xmlns="" id="{0A41C8DF-CA68-4B1E-BA82-7B3566C71B60}"/>
+                <a16:creationId xmlns:a16="http://schemas.microsoft.com/office/drawing/2014/main" id="{0A41C8DF-CA68-4B1E-BA82-7B3566C71B60}"/>
               </a:ext>
             </a:extLst>
           </p:cNvPr>
@@ -11026,7 +11002,7 @@
           <p:cNvPr id="18" name="그래픽 17" descr="사용자">
             <a:extLst>
               <a:ext uri="{FF2B5EF4-FFF2-40B4-BE49-F238E27FC236}">
-                <a16:creationId xmlns:a16="http://schemas.microsoft.com/office/drawing/2014/main" xmlns="" id="{75AFB503-AF62-43BA-8C20-CE24877F11D0}"/>
+                <a16:creationId xmlns:a16="http://schemas.microsoft.com/office/drawing/2014/main" id="{75AFB503-AF62-43BA-8C20-CE24877F11D0}"/>
               </a:ext>
             </a:extLst>
           </p:cNvPr>
@@ -11036,13 +11012,13 @@
           <p:nvPr/>
         </p:nvPicPr>
         <p:blipFill>
-          <a:blip r:embed="rId2" cstate="print">
+          <a:blip r:embed="rId2">
             <a:extLst>
               <a:ext uri="{28A0092B-C50C-407E-A947-70E740481C1C}">
-                <a14:useLocalDpi xmlns:a14="http://schemas.microsoft.com/office/drawing/2010/main" xmlns="" val="0"/>
+                <a14:useLocalDpi xmlns:a14="http://schemas.microsoft.com/office/drawing/2010/main" val="0"/>
               </a:ext>
               <a:ext uri="{96DAC541-7B7A-43D3-8B79-37D633B846F1}">
-                <asvg:svgBlip xmlns:asvg="http://schemas.microsoft.com/office/drawing/2016/SVG/main" xmlns="" r:embed="rId3"/>
+                <asvg:svgBlip xmlns:asvg="http://schemas.microsoft.com/office/drawing/2016/SVG/main" r:embed="rId3"/>
               </a:ext>
             </a:extLst>
           </a:blip>
@@ -11065,7 +11041,7 @@
           <p:cNvPr id="3" name="그래픽 2" descr="컴퓨터">
             <a:extLst>
               <a:ext uri="{FF2B5EF4-FFF2-40B4-BE49-F238E27FC236}">
-                <a16:creationId xmlns:a16="http://schemas.microsoft.com/office/drawing/2014/main" xmlns="" id="{CCD045A9-6AED-41A4-9FCD-C08733D8BAA6}"/>
+                <a16:creationId xmlns:a16="http://schemas.microsoft.com/office/drawing/2014/main" id="{CCD045A9-6AED-41A4-9FCD-C08733D8BAA6}"/>
               </a:ext>
             </a:extLst>
           </p:cNvPr>
@@ -11075,13 +11051,13 @@
           <p:nvPr/>
         </p:nvPicPr>
         <p:blipFill>
-          <a:blip r:embed="rId4" cstate="print">
+          <a:blip r:embed="rId4">
             <a:extLst>
               <a:ext uri="{28A0092B-C50C-407E-A947-70E740481C1C}">
-                <a14:useLocalDpi xmlns:a14="http://schemas.microsoft.com/office/drawing/2010/main" xmlns="" val="0"/>
+                <a14:useLocalDpi xmlns:a14="http://schemas.microsoft.com/office/drawing/2010/main" val="0"/>
               </a:ext>
               <a:ext uri="{96DAC541-7B7A-43D3-8B79-37D633B846F1}">
-                <asvg:svgBlip xmlns:asvg="http://schemas.microsoft.com/office/drawing/2016/SVG/main" xmlns="" r:embed="rId5"/>
+                <asvg:svgBlip xmlns:asvg="http://schemas.microsoft.com/office/drawing/2016/SVG/main" r:embed="rId5"/>
               </a:ext>
             </a:extLst>
           </a:blip>
@@ -11104,7 +11080,7 @@
           <p:cNvPr id="5" name="그래픽 4" descr="스마트폰">
             <a:extLst>
               <a:ext uri="{FF2B5EF4-FFF2-40B4-BE49-F238E27FC236}">
-                <a16:creationId xmlns:a16="http://schemas.microsoft.com/office/drawing/2014/main" xmlns="" id="{56C98E36-AC3C-4EAB-8175-EA66F06D7C95}"/>
+                <a16:creationId xmlns:a16="http://schemas.microsoft.com/office/drawing/2014/main" id="{56C98E36-AC3C-4EAB-8175-EA66F06D7C95}"/>
               </a:ext>
             </a:extLst>
           </p:cNvPr>
@@ -11114,13 +11090,13 @@
           <p:nvPr/>
         </p:nvPicPr>
         <p:blipFill>
-          <a:blip r:embed="rId6" cstate="print">
+          <a:blip r:embed="rId6">
             <a:extLst>
               <a:ext uri="{28A0092B-C50C-407E-A947-70E740481C1C}">
-                <a14:useLocalDpi xmlns:a14="http://schemas.microsoft.com/office/drawing/2010/main" xmlns="" val="0"/>
+                <a14:useLocalDpi xmlns:a14="http://schemas.microsoft.com/office/drawing/2010/main" val="0"/>
               </a:ext>
               <a:ext uri="{96DAC541-7B7A-43D3-8B79-37D633B846F1}">
-                <asvg:svgBlip xmlns:asvg="http://schemas.microsoft.com/office/drawing/2016/SVG/main" xmlns="" r:embed="rId7"/>
+                <asvg:svgBlip xmlns:asvg="http://schemas.microsoft.com/office/drawing/2016/SVG/main" r:embed="rId7"/>
               </a:ext>
             </a:extLst>
           </a:blip>
@@ -11143,7 +11119,7 @@
           <p:cNvPr id="27" name="직선 화살표 연결선 26">
             <a:extLst>
               <a:ext uri="{FF2B5EF4-FFF2-40B4-BE49-F238E27FC236}">
-                <a16:creationId xmlns:a16="http://schemas.microsoft.com/office/drawing/2014/main" xmlns="" id="{110E320F-CC9E-441A-9626-D023EF418D85}"/>
+                <a16:creationId xmlns:a16="http://schemas.microsoft.com/office/drawing/2014/main" id="{110E320F-CC9E-441A-9626-D023EF418D85}"/>
               </a:ext>
             </a:extLst>
           </p:cNvPr>
@@ -11187,7 +11163,7 @@
           <p:cNvPr id="28" name="직선 화살표 연결선 27">
             <a:extLst>
               <a:ext uri="{FF2B5EF4-FFF2-40B4-BE49-F238E27FC236}">
-                <a16:creationId xmlns:a16="http://schemas.microsoft.com/office/drawing/2014/main" xmlns="" id="{E7097C50-B1B6-4ABD-86A3-F07CE6AA9B3E}"/>
+                <a16:creationId xmlns:a16="http://schemas.microsoft.com/office/drawing/2014/main" id="{E7097C50-B1B6-4ABD-86A3-F07CE6AA9B3E}"/>
               </a:ext>
             </a:extLst>
           </p:cNvPr>
@@ -11232,7 +11208,7 @@
           <p:cNvPr id="35" name="TextBox 34">
             <a:extLst>
               <a:ext uri="{FF2B5EF4-FFF2-40B4-BE49-F238E27FC236}">
-                <a16:creationId xmlns:a16="http://schemas.microsoft.com/office/drawing/2014/main" xmlns="" id="{AEAE7ECD-423C-4DB0-9CEF-28E3FC6D3E03}"/>
+                <a16:creationId xmlns:a16="http://schemas.microsoft.com/office/drawing/2014/main" id="{AEAE7ECD-423C-4DB0-9CEF-28E3FC6D3E03}"/>
               </a:ext>
             </a:extLst>
           </p:cNvPr>
@@ -11275,7 +11251,7 @@
           <p:cNvPr id="36" name="직선 화살표 연결선 35">
             <a:extLst>
               <a:ext uri="{FF2B5EF4-FFF2-40B4-BE49-F238E27FC236}">
-                <a16:creationId xmlns:a16="http://schemas.microsoft.com/office/drawing/2014/main" xmlns="" id="{167831C0-2E64-4BEE-87A1-E66443C58F49}"/>
+                <a16:creationId xmlns:a16="http://schemas.microsoft.com/office/drawing/2014/main" id="{167831C0-2E64-4BEE-87A1-E66443C58F49}"/>
               </a:ext>
             </a:extLst>
           </p:cNvPr>
@@ -11319,7 +11295,7 @@
           <p:cNvPr id="37" name="직선 화살표 연결선 36">
             <a:extLst>
               <a:ext uri="{FF2B5EF4-FFF2-40B4-BE49-F238E27FC236}">
-                <a16:creationId xmlns:a16="http://schemas.microsoft.com/office/drawing/2014/main" xmlns="" id="{27A08733-3F67-4F15-B096-D25D4789182C}"/>
+                <a16:creationId xmlns:a16="http://schemas.microsoft.com/office/drawing/2014/main" id="{27A08733-3F67-4F15-B096-D25D4789182C}"/>
               </a:ext>
             </a:extLst>
           </p:cNvPr>
@@ -11363,7 +11339,7 @@
           <p:cNvPr id="41" name="TextBox 40">
             <a:extLst>
               <a:ext uri="{FF2B5EF4-FFF2-40B4-BE49-F238E27FC236}">
-                <a16:creationId xmlns:a16="http://schemas.microsoft.com/office/drawing/2014/main" xmlns="" id="{B09BCC66-C6B0-473E-AEB3-6509CD6E4503}"/>
+                <a16:creationId xmlns:a16="http://schemas.microsoft.com/office/drawing/2014/main" id="{B09BCC66-C6B0-473E-AEB3-6509CD6E4503}"/>
               </a:ext>
             </a:extLst>
           </p:cNvPr>
@@ -11442,7 +11418,7 @@
           <p:cNvPr id="43" name="TextBox 42">
             <a:extLst>
               <a:ext uri="{FF2B5EF4-FFF2-40B4-BE49-F238E27FC236}">
-                <a16:creationId xmlns:a16="http://schemas.microsoft.com/office/drawing/2014/main" xmlns="" id="{457BAFDC-84CA-4D8A-BFBC-C8AB6E3C4AE5}"/>
+                <a16:creationId xmlns:a16="http://schemas.microsoft.com/office/drawing/2014/main" id="{457BAFDC-84CA-4D8A-BFBC-C8AB6E3C4AE5}"/>
               </a:ext>
             </a:extLst>
           </p:cNvPr>
@@ -11560,7 +11536,7 @@
           <p:cNvPr id="21" name="그림 20">
             <a:extLst>
               <a:ext uri="{FF2B5EF4-FFF2-40B4-BE49-F238E27FC236}">
-                <a16:creationId xmlns:a16="http://schemas.microsoft.com/office/drawing/2014/main" xmlns="" id="{59E70073-0CC6-4193-8F31-E48DB63DAB19}"/>
+                <a16:creationId xmlns:a16="http://schemas.microsoft.com/office/drawing/2014/main" id="{59E70073-0CC6-4193-8F31-E48DB63DAB19}"/>
               </a:ext>
             </a:extLst>
           </p:cNvPr>
@@ -11570,7 +11546,7 @@
           <p:nvPr/>
         </p:nvPicPr>
         <p:blipFill>
-          <a:blip r:embed="rId8" cstate="print"/>
+          <a:blip r:embed="rId8"/>
           <a:stretch>
             <a:fillRect/>
           </a:stretch>
@@ -11590,7 +11566,7 @@
           <p:cNvPr id="22" name="그래픽 21" descr="리모컨">
             <a:extLst>
               <a:ext uri="{FF2B5EF4-FFF2-40B4-BE49-F238E27FC236}">
-                <a16:creationId xmlns:a16="http://schemas.microsoft.com/office/drawing/2014/main" xmlns="" id="{D3BAA170-3EC6-4ED8-8244-08EB5657F44F}"/>
+                <a16:creationId xmlns:a16="http://schemas.microsoft.com/office/drawing/2014/main" id="{D3BAA170-3EC6-4ED8-8244-08EB5657F44F}"/>
               </a:ext>
             </a:extLst>
           </p:cNvPr>
@@ -11600,13 +11576,13 @@
           <p:nvPr/>
         </p:nvPicPr>
         <p:blipFill>
-          <a:blip r:embed="rId9" cstate="print">
+          <a:blip r:embed="rId9">
             <a:extLst>
               <a:ext uri="{28A0092B-C50C-407E-A947-70E740481C1C}">
-                <a14:useLocalDpi xmlns:a14="http://schemas.microsoft.com/office/drawing/2010/main" xmlns="" val="0"/>
+                <a14:useLocalDpi xmlns:a14="http://schemas.microsoft.com/office/drawing/2010/main" val="0"/>
               </a:ext>
               <a:ext uri="{96DAC541-7B7A-43D3-8B79-37D633B846F1}">
-                <asvg:svgBlip xmlns:asvg="http://schemas.microsoft.com/office/drawing/2016/SVG/main" xmlns="" r:embed="rId10"/>
+                <asvg:svgBlip xmlns:asvg="http://schemas.microsoft.com/office/drawing/2016/SVG/main" r:embed="rId10"/>
               </a:ext>
             </a:extLst>
           </a:blip>
@@ -11629,7 +11605,7 @@
           <p:cNvPr id="26" name="그림 25">
             <a:extLst>
               <a:ext uri="{FF2B5EF4-FFF2-40B4-BE49-F238E27FC236}">
-                <a16:creationId xmlns:a16="http://schemas.microsoft.com/office/drawing/2014/main" xmlns="" id="{8DDF2E8B-79FC-4F36-9989-A935EBD79C76}"/>
+                <a16:creationId xmlns:a16="http://schemas.microsoft.com/office/drawing/2014/main" id="{8DDF2E8B-79FC-4F36-9989-A935EBD79C76}"/>
               </a:ext>
             </a:extLst>
           </p:cNvPr>
@@ -11639,10 +11615,10 @@
           <p:nvPr/>
         </p:nvPicPr>
         <p:blipFill>
-          <a:blip r:embed="rId11" cstate="print">
+          <a:blip r:embed="rId11">
             <a:extLst>
               <a:ext uri="{28A0092B-C50C-407E-A947-70E740481C1C}">
-                <a14:useLocalDpi xmlns:a14="http://schemas.microsoft.com/office/drawing/2010/main" xmlns="" val="0"/>
+                <a14:useLocalDpi xmlns:a14="http://schemas.microsoft.com/office/drawing/2010/main" val="0"/>
               </a:ext>
             </a:extLst>
           </a:blip>
@@ -11665,7 +11641,7 @@
           <p:cNvPr id="29" name="직선 화살표 연결선 28">
             <a:extLst>
               <a:ext uri="{FF2B5EF4-FFF2-40B4-BE49-F238E27FC236}">
-                <a16:creationId xmlns:a16="http://schemas.microsoft.com/office/drawing/2014/main" xmlns="" id="{0281FF22-B6F1-4A64-9596-567EBF5E6B6B}"/>
+                <a16:creationId xmlns:a16="http://schemas.microsoft.com/office/drawing/2014/main" id="{0281FF22-B6F1-4A64-9596-567EBF5E6B6B}"/>
               </a:ext>
             </a:extLst>
           </p:cNvPr>
@@ -11709,7 +11685,7 @@
           <p:cNvPr id="30" name="직선 화살표 연결선 29">
             <a:extLst>
               <a:ext uri="{FF2B5EF4-FFF2-40B4-BE49-F238E27FC236}">
-                <a16:creationId xmlns:a16="http://schemas.microsoft.com/office/drawing/2014/main" xmlns="" id="{4F0C05B5-96C7-40E9-8782-330186EC9438}"/>
+                <a16:creationId xmlns:a16="http://schemas.microsoft.com/office/drawing/2014/main" id="{4F0C05B5-96C7-40E9-8782-330186EC9438}"/>
               </a:ext>
             </a:extLst>
           </p:cNvPr>
@@ -11753,7 +11729,7 @@
           <p:cNvPr id="31" name="직선 화살표 연결선 30">
             <a:extLst>
               <a:ext uri="{FF2B5EF4-FFF2-40B4-BE49-F238E27FC236}">
-                <a16:creationId xmlns:a16="http://schemas.microsoft.com/office/drawing/2014/main" xmlns="" id="{30BB8504-BFEA-469F-B37E-800BA93B8757}"/>
+                <a16:creationId xmlns:a16="http://schemas.microsoft.com/office/drawing/2014/main" id="{30BB8504-BFEA-469F-B37E-800BA93B8757}"/>
               </a:ext>
             </a:extLst>
           </p:cNvPr>
@@ -11795,7 +11771,7 @@
     </p:spTree>
     <p:extLst>
       <p:ext uri="{BB962C8B-B14F-4D97-AF65-F5344CB8AC3E}">
-        <p14:creationId xmlns:p14="http://schemas.microsoft.com/office/powerpoint/2010/main" xmlns="" val="2050811125"/>
+        <p14:creationId xmlns:p14="http://schemas.microsoft.com/office/powerpoint/2010/main" val="2050811125"/>
       </p:ext>
     </p:extLst>
   </p:cSld>
@@ -11827,7 +11803,7 @@
           <p:cNvPr id="19" name="직사각형 18">
             <a:extLst>
               <a:ext uri="{FF2B5EF4-FFF2-40B4-BE49-F238E27FC236}">
-                <a16:creationId xmlns:a16="http://schemas.microsoft.com/office/drawing/2014/main" xmlns="" id="{0580FFE7-0154-437C-A351-5C0FA8D7EDB3}"/>
+                <a16:creationId xmlns:a16="http://schemas.microsoft.com/office/drawing/2014/main" id="{0580FFE7-0154-437C-A351-5C0FA8D7EDB3}"/>
               </a:ext>
             </a:extLst>
           </p:cNvPr>
@@ -11884,7 +11860,7 @@
           <p:cNvPr id="2" name="제목 1">
             <a:extLst>
               <a:ext uri="{FF2B5EF4-FFF2-40B4-BE49-F238E27FC236}">
-                <a16:creationId xmlns:a16="http://schemas.microsoft.com/office/drawing/2014/main" xmlns="" id="{7F510CC2-7B30-41ED-95F0-0C20D11BF611}"/>
+                <a16:creationId xmlns:a16="http://schemas.microsoft.com/office/drawing/2014/main" id="{7F510CC2-7B30-41ED-95F0-0C20D11BF611}"/>
               </a:ext>
             </a:extLst>
           </p:cNvPr>
@@ -11925,7 +11901,7 @@
           <p:cNvPr id="3" name="순서도: 연결자 2">
             <a:extLst>
               <a:ext uri="{FF2B5EF4-FFF2-40B4-BE49-F238E27FC236}">
-                <a16:creationId xmlns:a16="http://schemas.microsoft.com/office/drawing/2014/main" xmlns="" id="{22976C8E-E65A-4402-A647-7385D30602DD}"/>
+                <a16:creationId xmlns:a16="http://schemas.microsoft.com/office/drawing/2014/main" id="{22976C8E-E65A-4402-A647-7385D30602DD}"/>
               </a:ext>
             </a:extLst>
           </p:cNvPr>
@@ -11987,7 +11963,7 @@
           <p:cNvPr id="13" name="TextBox 12">
             <a:extLst>
               <a:ext uri="{FF2B5EF4-FFF2-40B4-BE49-F238E27FC236}">
-                <a16:creationId xmlns:a16="http://schemas.microsoft.com/office/drawing/2014/main" xmlns="" id="{6B541D98-2FAB-462B-9AEF-72CCBEBF0E0D}"/>
+                <a16:creationId xmlns:a16="http://schemas.microsoft.com/office/drawing/2014/main" id="{6B541D98-2FAB-462B-9AEF-72CCBEBF0E0D}"/>
               </a:ext>
             </a:extLst>
           </p:cNvPr>
@@ -12129,7 +12105,7 @@
           <p:cNvPr id="14" name="TextBox 13">
             <a:extLst>
               <a:ext uri="{FF2B5EF4-FFF2-40B4-BE49-F238E27FC236}">
-                <a16:creationId xmlns:a16="http://schemas.microsoft.com/office/drawing/2014/main" xmlns="" id="{5871DBCE-94A4-431D-8E20-9C359ABA5446}"/>
+                <a16:creationId xmlns:a16="http://schemas.microsoft.com/office/drawing/2014/main" id="{5871DBCE-94A4-431D-8E20-9C359ABA5446}"/>
               </a:ext>
             </a:extLst>
           </p:cNvPr>
@@ -12254,7 +12230,7 @@
           <p:cNvPr id="15" name="TextBox 14">
             <a:extLst>
               <a:ext uri="{FF2B5EF4-FFF2-40B4-BE49-F238E27FC236}">
-                <a16:creationId xmlns:a16="http://schemas.microsoft.com/office/drawing/2014/main" xmlns="" id="{0B697884-4905-4D00-8A94-25562EC24F04}"/>
+                <a16:creationId xmlns:a16="http://schemas.microsoft.com/office/drawing/2014/main" id="{0B697884-4905-4D00-8A94-25562EC24F04}"/>
               </a:ext>
             </a:extLst>
           </p:cNvPr>
@@ -12315,7 +12291,7 @@
           <p:cNvPr id="16" name="직사각형 15">
             <a:extLst>
               <a:ext uri="{FF2B5EF4-FFF2-40B4-BE49-F238E27FC236}">
-                <a16:creationId xmlns:a16="http://schemas.microsoft.com/office/drawing/2014/main" xmlns="" id="{9DB5C34C-E1E4-4579-BCDD-E755E113A26B}"/>
+                <a16:creationId xmlns:a16="http://schemas.microsoft.com/office/drawing/2014/main" id="{9DB5C34C-E1E4-4579-BCDD-E755E113A26B}"/>
               </a:ext>
             </a:extLst>
           </p:cNvPr>
@@ -12380,7 +12356,7 @@
           <p:cNvPr id="17" name="직사각형 16">
             <a:extLst>
               <a:ext uri="{FF2B5EF4-FFF2-40B4-BE49-F238E27FC236}">
-                <a16:creationId xmlns:a16="http://schemas.microsoft.com/office/drawing/2014/main" xmlns="" id="{697C215F-DB2D-4BC1-AA27-737ED25B0500}"/>
+                <a16:creationId xmlns:a16="http://schemas.microsoft.com/office/drawing/2014/main" id="{697C215F-DB2D-4BC1-AA27-737ED25B0500}"/>
               </a:ext>
             </a:extLst>
           </p:cNvPr>
@@ -12454,7 +12430,7 @@
           <p:cNvPr id="18" name="직사각형 17">
             <a:extLst>
               <a:ext uri="{FF2B5EF4-FFF2-40B4-BE49-F238E27FC236}">
-                <a16:creationId xmlns:a16="http://schemas.microsoft.com/office/drawing/2014/main" xmlns="" id="{3E4D7615-62E8-4CBE-8470-F6B7351E27F7}"/>
+                <a16:creationId xmlns:a16="http://schemas.microsoft.com/office/drawing/2014/main" id="{3E4D7615-62E8-4CBE-8470-F6B7351E27F7}"/>
               </a:ext>
             </a:extLst>
           </p:cNvPr>
@@ -12543,7 +12519,7 @@
           <p:cNvPr id="20" name="직사각형 19">
             <a:extLst>
               <a:ext uri="{FF2B5EF4-FFF2-40B4-BE49-F238E27FC236}">
-                <a16:creationId xmlns:a16="http://schemas.microsoft.com/office/drawing/2014/main" xmlns="" id="{53710060-77BF-4CE6-9929-E5F03B40AFAB}"/>
+                <a16:creationId xmlns:a16="http://schemas.microsoft.com/office/drawing/2014/main" id="{53710060-77BF-4CE6-9929-E5F03B40AFAB}"/>
               </a:ext>
             </a:extLst>
           </p:cNvPr>
@@ -12598,7 +12574,7 @@
           <p:cNvPr id="6" name="직선 연결선 5">
             <a:extLst>
               <a:ext uri="{FF2B5EF4-FFF2-40B4-BE49-F238E27FC236}">
-                <a16:creationId xmlns:a16="http://schemas.microsoft.com/office/drawing/2014/main" xmlns="" id="{A05C88DA-A718-4E36-90EE-F7830A63E184}"/>
+                <a16:creationId xmlns:a16="http://schemas.microsoft.com/office/drawing/2014/main" id="{A05C88DA-A718-4E36-90EE-F7830A63E184}"/>
               </a:ext>
             </a:extLst>
           </p:cNvPr>
@@ -12639,7 +12615,7 @@
           <p:cNvPr id="22" name="직선 연결선 21">
             <a:extLst>
               <a:ext uri="{FF2B5EF4-FFF2-40B4-BE49-F238E27FC236}">
-                <a16:creationId xmlns:a16="http://schemas.microsoft.com/office/drawing/2014/main" xmlns="" id="{34554309-4455-4624-A906-D2C6991AC87F}"/>
+                <a16:creationId xmlns:a16="http://schemas.microsoft.com/office/drawing/2014/main" id="{34554309-4455-4624-A906-D2C6991AC87F}"/>
               </a:ext>
             </a:extLst>
           </p:cNvPr>
@@ -12680,7 +12656,7 @@
           <p:cNvPr id="23" name="순서도: 연결자 22">
             <a:extLst>
               <a:ext uri="{FF2B5EF4-FFF2-40B4-BE49-F238E27FC236}">
-                <a16:creationId xmlns:a16="http://schemas.microsoft.com/office/drawing/2014/main" xmlns="" id="{BD1591CF-E35B-4578-9134-007101B8F94F}"/>
+                <a16:creationId xmlns:a16="http://schemas.microsoft.com/office/drawing/2014/main" id="{BD1591CF-E35B-4578-9134-007101B8F94F}"/>
               </a:ext>
             </a:extLst>
           </p:cNvPr>
@@ -12742,7 +12718,7 @@
           <p:cNvPr id="24" name="순서도: 연결자 23">
             <a:extLst>
               <a:ext uri="{FF2B5EF4-FFF2-40B4-BE49-F238E27FC236}">
-                <a16:creationId xmlns:a16="http://schemas.microsoft.com/office/drawing/2014/main" xmlns="" id="{E40B5791-F7C3-4EF4-B507-7FA343B88B58}"/>
+                <a16:creationId xmlns:a16="http://schemas.microsoft.com/office/drawing/2014/main" id="{E40B5791-F7C3-4EF4-B507-7FA343B88B58}"/>
               </a:ext>
             </a:extLst>
           </p:cNvPr>
@@ -12804,7 +12780,7 @@
           <p:cNvPr id="25" name="직선 연결선 24">
             <a:extLst>
               <a:ext uri="{FF2B5EF4-FFF2-40B4-BE49-F238E27FC236}">
-                <a16:creationId xmlns:a16="http://schemas.microsoft.com/office/drawing/2014/main" xmlns="" id="{877184D1-DFA7-44B9-8F72-2D655704223D}"/>
+                <a16:creationId xmlns:a16="http://schemas.microsoft.com/office/drawing/2014/main" id="{877184D1-DFA7-44B9-8F72-2D655704223D}"/>
               </a:ext>
             </a:extLst>
           </p:cNvPr>
@@ -12843,7 +12819,7 @@
     </p:spTree>
     <p:extLst>
       <p:ext uri="{BB962C8B-B14F-4D97-AF65-F5344CB8AC3E}">
-        <p14:creationId xmlns:p14="http://schemas.microsoft.com/office/powerpoint/2010/main" xmlns="" val="2702526413"/>
+        <p14:creationId xmlns:p14="http://schemas.microsoft.com/office/powerpoint/2010/main" val="2702526413"/>
       </p:ext>
     </p:extLst>
   </p:cSld>
@@ -12875,7 +12851,7 @@
           <p:cNvPr id="2" name="제목 1">
             <a:extLst>
               <a:ext uri="{FF2B5EF4-FFF2-40B4-BE49-F238E27FC236}">
-                <a16:creationId xmlns:a16="http://schemas.microsoft.com/office/drawing/2014/main" xmlns="" id="{BBA84211-1FDA-48F9-BA4E-9013EED0D308}"/>
+                <a16:creationId xmlns:a16="http://schemas.microsoft.com/office/drawing/2014/main" id="{BBA84211-1FDA-48F9-BA4E-9013EED0D308}"/>
               </a:ext>
             </a:extLst>
           </p:cNvPr>
@@ -12927,7 +12903,7 @@
           <p:cNvPr id="7" name="화살표: 오각형 6">
             <a:extLst>
               <a:ext uri="{FF2B5EF4-FFF2-40B4-BE49-F238E27FC236}">
-                <a16:creationId xmlns:a16="http://schemas.microsoft.com/office/drawing/2014/main" xmlns="" id="{540202DC-972C-449E-8D40-20FEA4C299C9}"/>
+                <a16:creationId xmlns:a16="http://schemas.microsoft.com/office/drawing/2014/main" id="{540202DC-972C-449E-8D40-20FEA4C299C9}"/>
               </a:ext>
             </a:extLst>
           </p:cNvPr>
@@ -12989,7 +12965,7 @@
           <p:cNvPr id="8" name="직사각형 7">
             <a:extLst>
               <a:ext uri="{FF2B5EF4-FFF2-40B4-BE49-F238E27FC236}">
-                <a16:creationId xmlns:a16="http://schemas.microsoft.com/office/drawing/2014/main" xmlns="" id="{4299E079-099C-4FC6-AB96-60D79AC533F3}"/>
+                <a16:creationId xmlns:a16="http://schemas.microsoft.com/office/drawing/2014/main" id="{4299E079-099C-4FC6-AB96-60D79AC533F3}"/>
               </a:ext>
             </a:extLst>
           </p:cNvPr>
@@ -13065,7 +13041,7 @@
           <p:cNvPr id="9" name="직사각형 8">
             <a:extLst>
               <a:ext uri="{FF2B5EF4-FFF2-40B4-BE49-F238E27FC236}">
-                <a16:creationId xmlns:a16="http://schemas.microsoft.com/office/drawing/2014/main" xmlns="" id="{0CDB3C7F-3D41-42C4-8A8A-60BE47CE7F38}"/>
+                <a16:creationId xmlns:a16="http://schemas.microsoft.com/office/drawing/2014/main" id="{0CDB3C7F-3D41-42C4-8A8A-60BE47CE7F38}"/>
               </a:ext>
             </a:extLst>
           </p:cNvPr>
@@ -13129,7 +13105,7 @@
           <p:cNvPr id="12" name="화살표: 갈매기형 수장 11">
             <a:extLst>
               <a:ext uri="{FF2B5EF4-FFF2-40B4-BE49-F238E27FC236}">
-                <a16:creationId xmlns:a16="http://schemas.microsoft.com/office/drawing/2014/main" xmlns="" id="{8DBC2EAF-942D-4653-9175-A081AF1E42A7}"/>
+                <a16:creationId xmlns:a16="http://schemas.microsoft.com/office/drawing/2014/main" id="{8DBC2EAF-942D-4653-9175-A081AF1E42A7}"/>
               </a:ext>
             </a:extLst>
           </p:cNvPr>
@@ -13192,7 +13168,7 @@
           <p:cNvPr id="13" name="직선 연결선 12">
             <a:extLst>
               <a:ext uri="{FF2B5EF4-FFF2-40B4-BE49-F238E27FC236}">
-                <a16:creationId xmlns:a16="http://schemas.microsoft.com/office/drawing/2014/main" xmlns="" id="{7F87B08B-16C8-4F52-B5AD-9F05FCF98DEB}"/>
+                <a16:creationId xmlns:a16="http://schemas.microsoft.com/office/drawing/2014/main" id="{7F87B08B-16C8-4F52-B5AD-9F05FCF98DEB}"/>
               </a:ext>
             </a:extLst>
           </p:cNvPr>
@@ -13228,7 +13204,7 @@
           <p:cNvPr id="14" name="직사각형 13">
             <a:extLst>
               <a:ext uri="{FF2B5EF4-FFF2-40B4-BE49-F238E27FC236}">
-                <a16:creationId xmlns:a16="http://schemas.microsoft.com/office/drawing/2014/main" xmlns="" id="{111C1A87-4BB9-4E1C-9BA2-E8DEB981E55F}"/>
+                <a16:creationId xmlns:a16="http://schemas.microsoft.com/office/drawing/2014/main" id="{111C1A87-4BB9-4E1C-9BA2-E8DEB981E55F}"/>
               </a:ext>
             </a:extLst>
           </p:cNvPr>
@@ -13314,7 +13290,7 @@
           <p:cNvPr id="17" name="직사각형 16">
             <a:extLst>
               <a:ext uri="{FF2B5EF4-FFF2-40B4-BE49-F238E27FC236}">
-                <a16:creationId xmlns:a16="http://schemas.microsoft.com/office/drawing/2014/main" xmlns="" id="{63BD6BDA-227C-41F4-B8E5-D787F8B1F025}"/>
+                <a16:creationId xmlns:a16="http://schemas.microsoft.com/office/drawing/2014/main" id="{63BD6BDA-227C-41F4-B8E5-D787F8B1F025}"/>
               </a:ext>
             </a:extLst>
           </p:cNvPr>
@@ -13378,7 +13354,7 @@
           <p:cNvPr id="18" name="직사각형 17">
             <a:extLst>
               <a:ext uri="{FF2B5EF4-FFF2-40B4-BE49-F238E27FC236}">
-                <a16:creationId xmlns:a16="http://schemas.microsoft.com/office/drawing/2014/main" xmlns="" id="{846A34A1-A83F-462F-B58C-E188CF804587}"/>
+                <a16:creationId xmlns:a16="http://schemas.microsoft.com/office/drawing/2014/main" id="{846A34A1-A83F-462F-B58C-E188CF804587}"/>
               </a:ext>
             </a:extLst>
           </p:cNvPr>
@@ -13454,7 +13430,7 @@
           <p:cNvPr id="19" name="직사각형 18">
             <a:extLst>
               <a:ext uri="{FF2B5EF4-FFF2-40B4-BE49-F238E27FC236}">
-                <a16:creationId xmlns:a16="http://schemas.microsoft.com/office/drawing/2014/main" xmlns="" id="{C353B78A-3E22-40F1-810F-D9BD1DD84114}"/>
+                <a16:creationId xmlns:a16="http://schemas.microsoft.com/office/drawing/2014/main" id="{C353B78A-3E22-40F1-810F-D9BD1DD84114}"/>
               </a:ext>
             </a:extLst>
           </p:cNvPr>
@@ -13518,7 +13494,7 @@
           <p:cNvPr id="4" name="그림 3">
             <a:extLst>
               <a:ext uri="{FF2B5EF4-FFF2-40B4-BE49-F238E27FC236}">
-                <a16:creationId xmlns:a16="http://schemas.microsoft.com/office/drawing/2014/main" xmlns="" id="{B68C9B80-0D51-4601-AD74-71485037CA55}"/>
+                <a16:creationId xmlns:a16="http://schemas.microsoft.com/office/drawing/2014/main" id="{B68C9B80-0D51-4601-AD74-71485037CA55}"/>
               </a:ext>
             </a:extLst>
           </p:cNvPr>
@@ -13528,7 +13504,7 @@
           <p:nvPr/>
         </p:nvPicPr>
         <p:blipFill>
-          <a:blip r:embed="rId2" cstate="print"/>
+          <a:blip r:embed="rId2"/>
           <a:stretch>
             <a:fillRect/>
           </a:stretch>
@@ -13548,7 +13524,7 @@
           <p:cNvPr id="10" name="그림 9">
             <a:extLst>
               <a:ext uri="{FF2B5EF4-FFF2-40B4-BE49-F238E27FC236}">
-                <a16:creationId xmlns:a16="http://schemas.microsoft.com/office/drawing/2014/main" xmlns="" id="{304CD23B-D648-4453-8A16-E41138A78EE0}"/>
+                <a16:creationId xmlns:a16="http://schemas.microsoft.com/office/drawing/2014/main" id="{304CD23B-D648-4453-8A16-E41138A78EE0}"/>
               </a:ext>
             </a:extLst>
           </p:cNvPr>
@@ -13558,7 +13534,7 @@
           <p:nvPr/>
         </p:nvPicPr>
         <p:blipFill>
-          <a:blip r:embed="rId3" cstate="print"/>
+          <a:blip r:embed="rId3"/>
           <a:stretch>
             <a:fillRect/>
           </a:stretch>
@@ -13578,7 +13554,7 @@
           <p:cNvPr id="11" name="그림 10">
             <a:extLst>
               <a:ext uri="{FF2B5EF4-FFF2-40B4-BE49-F238E27FC236}">
-                <a16:creationId xmlns:a16="http://schemas.microsoft.com/office/drawing/2014/main" xmlns="" id="{EA2E8C6F-2F43-4EE5-B450-63C4C91BC222}"/>
+                <a16:creationId xmlns:a16="http://schemas.microsoft.com/office/drawing/2014/main" id="{EA2E8C6F-2F43-4EE5-B450-63C4C91BC222}"/>
               </a:ext>
             </a:extLst>
           </p:cNvPr>
@@ -13588,7 +13564,7 @@
           <p:nvPr/>
         </p:nvPicPr>
         <p:blipFill>
-          <a:blip r:embed="rId4" cstate="print"/>
+          <a:blip r:embed="rId4"/>
           <a:stretch>
             <a:fillRect/>
           </a:stretch>
@@ -13608,7 +13584,7 @@
           <p:cNvPr id="16" name="그림 15">
             <a:extLst>
               <a:ext uri="{FF2B5EF4-FFF2-40B4-BE49-F238E27FC236}">
-                <a16:creationId xmlns:a16="http://schemas.microsoft.com/office/drawing/2014/main" xmlns="" id="{3B8A91A0-2C1E-47E2-BF98-525224119B01}"/>
+                <a16:creationId xmlns:a16="http://schemas.microsoft.com/office/drawing/2014/main" id="{3B8A91A0-2C1E-47E2-BF98-525224119B01}"/>
               </a:ext>
             </a:extLst>
           </p:cNvPr>
@@ -13618,7 +13594,7 @@
           <p:nvPr/>
         </p:nvPicPr>
         <p:blipFill>
-          <a:blip r:embed="rId5" cstate="print"/>
+          <a:blip r:embed="rId5"/>
           <a:stretch>
             <a:fillRect/>
           </a:stretch>
@@ -13636,7 +13612,7 @@
     </p:spTree>
     <p:extLst>
       <p:ext uri="{BB962C8B-B14F-4D97-AF65-F5344CB8AC3E}">
-        <p14:creationId xmlns:p14="http://schemas.microsoft.com/office/powerpoint/2010/main" xmlns="" val="4287827590"/>
+        <p14:creationId xmlns:p14="http://schemas.microsoft.com/office/powerpoint/2010/main" val="4287827590"/>
       </p:ext>
     </p:extLst>
   </p:cSld>
@@ -14182,7 +14158,7 @@
           <p:cNvPr id="2" name="제목 1">
             <a:extLst>
               <a:ext uri="{FF2B5EF4-FFF2-40B4-BE49-F238E27FC236}">
-                <a16:creationId xmlns:a16="http://schemas.microsoft.com/office/drawing/2014/main" xmlns="" id="{BBA84211-1FDA-48F9-BA4E-9013EED0D308}"/>
+                <a16:creationId xmlns:a16="http://schemas.microsoft.com/office/drawing/2014/main" id="{BBA84211-1FDA-48F9-BA4E-9013EED0D308}"/>
               </a:ext>
             </a:extLst>
           </p:cNvPr>
@@ -14221,7 +14197,7 @@
           <p:cNvPr id="7" name="화살표: 오각형 6">
             <a:extLst>
               <a:ext uri="{FF2B5EF4-FFF2-40B4-BE49-F238E27FC236}">
-                <a16:creationId xmlns:a16="http://schemas.microsoft.com/office/drawing/2014/main" xmlns="" id="{540202DC-972C-449E-8D40-20FEA4C299C9}"/>
+                <a16:creationId xmlns:a16="http://schemas.microsoft.com/office/drawing/2014/main" id="{540202DC-972C-449E-8D40-20FEA4C299C9}"/>
               </a:ext>
             </a:extLst>
           </p:cNvPr>
@@ -14283,7 +14259,7 @@
           <p:cNvPr id="8" name="직사각형 7">
             <a:extLst>
               <a:ext uri="{FF2B5EF4-FFF2-40B4-BE49-F238E27FC236}">
-                <a16:creationId xmlns:a16="http://schemas.microsoft.com/office/drawing/2014/main" xmlns="" id="{4299E079-099C-4FC6-AB96-60D79AC533F3}"/>
+                <a16:creationId xmlns:a16="http://schemas.microsoft.com/office/drawing/2014/main" id="{4299E079-099C-4FC6-AB96-60D79AC533F3}"/>
               </a:ext>
             </a:extLst>
           </p:cNvPr>
@@ -14409,7 +14385,7 @@
           <p:cNvPr id="9" name="직사각형 8">
             <a:extLst>
               <a:ext uri="{FF2B5EF4-FFF2-40B4-BE49-F238E27FC236}">
-                <a16:creationId xmlns:a16="http://schemas.microsoft.com/office/drawing/2014/main" xmlns="" id="{0CDB3C7F-3D41-42C4-8A8A-60BE47CE7F38}"/>
+                <a16:creationId xmlns:a16="http://schemas.microsoft.com/office/drawing/2014/main" id="{0CDB3C7F-3D41-42C4-8A8A-60BE47CE7F38}"/>
               </a:ext>
             </a:extLst>
           </p:cNvPr>
@@ -14473,7 +14449,7 @@
           <p:cNvPr id="12" name="화살표: 갈매기형 수장 11">
             <a:extLst>
               <a:ext uri="{FF2B5EF4-FFF2-40B4-BE49-F238E27FC236}">
-                <a16:creationId xmlns:a16="http://schemas.microsoft.com/office/drawing/2014/main" xmlns="" id="{8DBC2EAF-942D-4653-9175-A081AF1E42A7}"/>
+                <a16:creationId xmlns:a16="http://schemas.microsoft.com/office/drawing/2014/main" id="{8DBC2EAF-942D-4653-9175-A081AF1E42A7}"/>
               </a:ext>
             </a:extLst>
           </p:cNvPr>
@@ -14536,7 +14512,7 @@
           <p:cNvPr id="13" name="직선 연결선 12">
             <a:extLst>
               <a:ext uri="{FF2B5EF4-FFF2-40B4-BE49-F238E27FC236}">
-                <a16:creationId xmlns:a16="http://schemas.microsoft.com/office/drawing/2014/main" xmlns="" id="{7F87B08B-16C8-4F52-B5AD-9F05FCF98DEB}"/>
+                <a16:creationId xmlns:a16="http://schemas.microsoft.com/office/drawing/2014/main" id="{7F87B08B-16C8-4F52-B5AD-9F05FCF98DEB}"/>
               </a:ext>
             </a:extLst>
           </p:cNvPr>
@@ -14572,7 +14548,7 @@
           <p:cNvPr id="29" name="그래픽 28" descr="오른쪽을 가리키는 검지 ">
             <a:extLst>
               <a:ext uri="{FF2B5EF4-FFF2-40B4-BE49-F238E27FC236}">
-                <a16:creationId xmlns:a16="http://schemas.microsoft.com/office/drawing/2014/main" xmlns="" id="{08B0F7DC-14D7-4A60-BB9F-D1482A3287C2}"/>
+                <a16:creationId xmlns:a16="http://schemas.microsoft.com/office/drawing/2014/main" id="{08B0F7DC-14D7-4A60-BB9F-D1482A3287C2}"/>
               </a:ext>
             </a:extLst>
           </p:cNvPr>
@@ -14582,13 +14558,13 @@
           <p:nvPr/>
         </p:nvPicPr>
         <p:blipFill>
-          <a:blip r:embed="rId2" cstate="print">
+          <a:blip r:embed="rId2">
             <a:extLst>
               <a:ext uri="{28A0092B-C50C-407E-A947-70E740481C1C}">
-                <a14:useLocalDpi xmlns:a14="http://schemas.microsoft.com/office/drawing/2010/main" xmlns="" val="0"/>
+                <a14:useLocalDpi xmlns:a14="http://schemas.microsoft.com/office/drawing/2010/main" val="0"/>
               </a:ext>
               <a:ext uri="{96DAC541-7B7A-43D3-8B79-37D633B846F1}">
-                <asvg:svgBlip xmlns:asvg="http://schemas.microsoft.com/office/drawing/2016/SVG/main" xmlns="" r:embed="rId3"/>
+                <asvg:svgBlip xmlns:asvg="http://schemas.microsoft.com/office/drawing/2016/SVG/main" r:embed="rId3"/>
               </a:ext>
             </a:extLst>
           </a:blip>
@@ -14611,7 +14587,7 @@
           <p:cNvPr id="3" name="그림 2">
             <a:extLst>
               <a:ext uri="{FF2B5EF4-FFF2-40B4-BE49-F238E27FC236}">
-                <a16:creationId xmlns:a16="http://schemas.microsoft.com/office/drawing/2014/main" xmlns="" id="{8E7CBEBF-C46E-4990-BDA9-45AF956A7492}"/>
+                <a16:creationId xmlns:a16="http://schemas.microsoft.com/office/drawing/2014/main" id="{8E7CBEBF-C46E-4990-BDA9-45AF956A7492}"/>
               </a:ext>
             </a:extLst>
           </p:cNvPr>
@@ -14621,7 +14597,7 @@
           <p:nvPr/>
         </p:nvPicPr>
         <p:blipFill>
-          <a:blip r:embed="rId4" cstate="print"/>
+          <a:blip r:embed="rId4"/>
           <a:stretch>
             <a:fillRect/>
           </a:stretch>
@@ -14641,7 +14617,7 @@
           <p:cNvPr id="15" name="TextBox 14">
             <a:extLst>
               <a:ext uri="{FF2B5EF4-FFF2-40B4-BE49-F238E27FC236}">
-                <a16:creationId xmlns:a16="http://schemas.microsoft.com/office/drawing/2014/main" xmlns="" id="{9A77DC10-AE99-4F86-940A-9CCF7E6F2AB3}"/>
+                <a16:creationId xmlns:a16="http://schemas.microsoft.com/office/drawing/2014/main" id="{9A77DC10-AE99-4F86-940A-9CCF7E6F2AB3}"/>
               </a:ext>
             </a:extLst>
           </p:cNvPr>
@@ -14696,7 +14672,7 @@
           <p:cNvPr id="4" name="그림 3">
             <a:extLst>
               <a:ext uri="{FF2B5EF4-FFF2-40B4-BE49-F238E27FC236}">
-                <a16:creationId xmlns:a16="http://schemas.microsoft.com/office/drawing/2014/main" xmlns="" id="{22A024DB-53E7-4E66-B543-6AA5B3BC203B}"/>
+                <a16:creationId xmlns:a16="http://schemas.microsoft.com/office/drawing/2014/main" id="{22A024DB-53E7-4E66-B543-6AA5B3BC203B}"/>
               </a:ext>
             </a:extLst>
           </p:cNvPr>
@@ -14706,7 +14682,7 @@
           <p:nvPr/>
         </p:nvPicPr>
         <p:blipFill>
-          <a:blip r:embed="rId5" cstate="print"/>
+          <a:blip r:embed="rId5"/>
           <a:stretch>
             <a:fillRect/>
           </a:stretch>
@@ -14726,7 +14702,7 @@
           <p:cNvPr id="17" name="TextBox 16">
             <a:extLst>
               <a:ext uri="{FF2B5EF4-FFF2-40B4-BE49-F238E27FC236}">
-                <a16:creationId xmlns:a16="http://schemas.microsoft.com/office/drawing/2014/main" xmlns="" id="{40937AF6-78FF-4A10-A868-F7927301D82C}"/>
+                <a16:creationId xmlns:a16="http://schemas.microsoft.com/office/drawing/2014/main" id="{40937AF6-78FF-4A10-A868-F7927301D82C}"/>
               </a:ext>
             </a:extLst>
           </p:cNvPr>
@@ -14781,7 +14757,7 @@
           <p:cNvPr id="6" name="그림 5">
             <a:extLst>
               <a:ext uri="{FF2B5EF4-FFF2-40B4-BE49-F238E27FC236}">
-                <a16:creationId xmlns:a16="http://schemas.microsoft.com/office/drawing/2014/main" xmlns="" id="{59E48A7D-1878-40EC-A7E9-9A1CE701B700}"/>
+                <a16:creationId xmlns:a16="http://schemas.microsoft.com/office/drawing/2014/main" id="{59E48A7D-1878-40EC-A7E9-9A1CE701B700}"/>
               </a:ext>
             </a:extLst>
           </p:cNvPr>
@@ -14791,7 +14767,7 @@
           <p:nvPr/>
         </p:nvPicPr>
         <p:blipFill>
-          <a:blip r:embed="rId6" cstate="print"/>
+          <a:blip r:embed="rId6"/>
           <a:stretch>
             <a:fillRect/>
           </a:stretch>
@@ -14811,7 +14787,7 @@
           <p:cNvPr id="19" name="TextBox 18">
             <a:extLst>
               <a:ext uri="{FF2B5EF4-FFF2-40B4-BE49-F238E27FC236}">
-                <a16:creationId xmlns:a16="http://schemas.microsoft.com/office/drawing/2014/main" xmlns="" id="{D833F008-4A43-4D80-81DA-A8BB0BD8DC59}"/>
+                <a16:creationId xmlns:a16="http://schemas.microsoft.com/office/drawing/2014/main" id="{D833F008-4A43-4D80-81DA-A8BB0BD8DC59}"/>
               </a:ext>
             </a:extLst>
           </p:cNvPr>
@@ -14864,7 +14840,7 @@
     </p:spTree>
     <p:extLst>
       <p:ext uri="{BB962C8B-B14F-4D97-AF65-F5344CB8AC3E}">
-        <p14:creationId xmlns:p14="http://schemas.microsoft.com/office/powerpoint/2010/main" xmlns="" val="1062271619"/>
+        <p14:creationId xmlns:p14="http://schemas.microsoft.com/office/powerpoint/2010/main" val="1062271619"/>
       </p:ext>
     </p:extLst>
   </p:cSld>
@@ -14896,7 +14872,7 @@
           <p:cNvPr id="11" name="화살표: 오각형 10">
             <a:extLst>
               <a:ext uri="{FF2B5EF4-FFF2-40B4-BE49-F238E27FC236}">
-                <a16:creationId xmlns:a16="http://schemas.microsoft.com/office/drawing/2014/main" xmlns="" id="{1E1EB2F2-E821-4F67-A56F-4CC5E3DB9C0D}"/>
+                <a16:creationId xmlns:a16="http://schemas.microsoft.com/office/drawing/2014/main" id="{1E1EB2F2-E821-4F67-A56F-4CC5E3DB9C0D}"/>
               </a:ext>
             </a:extLst>
           </p:cNvPr>
@@ -14958,7 +14934,7 @@
           <p:cNvPr id="13" name="직사각형 12">
             <a:extLst>
               <a:ext uri="{FF2B5EF4-FFF2-40B4-BE49-F238E27FC236}">
-                <a16:creationId xmlns:a16="http://schemas.microsoft.com/office/drawing/2014/main" xmlns="" id="{57C5FE8F-D279-4F80-9BBD-7AD205C196B3}"/>
+                <a16:creationId xmlns:a16="http://schemas.microsoft.com/office/drawing/2014/main" id="{57C5FE8F-D279-4F80-9BBD-7AD205C196B3}"/>
               </a:ext>
             </a:extLst>
           </p:cNvPr>
@@ -15084,7 +15060,7 @@
           <p:cNvPr id="14" name="직사각형 13">
             <a:extLst>
               <a:ext uri="{FF2B5EF4-FFF2-40B4-BE49-F238E27FC236}">
-                <a16:creationId xmlns:a16="http://schemas.microsoft.com/office/drawing/2014/main" xmlns="" id="{9D3776C4-CE2A-4619-AFA5-AE7B1EBAF778}"/>
+                <a16:creationId xmlns:a16="http://schemas.microsoft.com/office/drawing/2014/main" id="{9D3776C4-CE2A-4619-AFA5-AE7B1EBAF778}"/>
               </a:ext>
             </a:extLst>
           </p:cNvPr>
@@ -15148,7 +15124,7 @@
           <p:cNvPr id="15" name="화살표: 갈매기형 수장 14">
             <a:extLst>
               <a:ext uri="{FF2B5EF4-FFF2-40B4-BE49-F238E27FC236}">
-                <a16:creationId xmlns:a16="http://schemas.microsoft.com/office/drawing/2014/main" xmlns="" id="{7E3539AB-13BD-46C1-8B72-861E76B5BE0B}"/>
+                <a16:creationId xmlns:a16="http://schemas.microsoft.com/office/drawing/2014/main" id="{7E3539AB-13BD-46C1-8B72-861E76B5BE0B}"/>
               </a:ext>
             </a:extLst>
           </p:cNvPr>
@@ -15211,7 +15187,7 @@
           <p:cNvPr id="2" name="그림 1">
             <a:extLst>
               <a:ext uri="{FF2B5EF4-FFF2-40B4-BE49-F238E27FC236}">
-                <a16:creationId xmlns:a16="http://schemas.microsoft.com/office/drawing/2014/main" xmlns="" id="{178E7E22-3A24-4182-BAA3-AC37DDEE3142}"/>
+                <a16:creationId xmlns:a16="http://schemas.microsoft.com/office/drawing/2014/main" id="{178E7E22-3A24-4182-BAA3-AC37DDEE3142}"/>
               </a:ext>
             </a:extLst>
           </p:cNvPr>
@@ -15221,7 +15197,7 @@
           <p:nvPr/>
         </p:nvPicPr>
         <p:blipFill>
-          <a:blip r:embed="rId2" cstate="print"/>
+          <a:blip r:embed="rId2"/>
           <a:stretch>
             <a:fillRect/>
           </a:stretch>
@@ -15239,7 +15215,7 @@
     </p:spTree>
     <p:extLst>
       <p:ext uri="{BB962C8B-B14F-4D97-AF65-F5344CB8AC3E}">
-        <p14:creationId xmlns:p14="http://schemas.microsoft.com/office/powerpoint/2010/main" xmlns="" val="2719134008"/>
+        <p14:creationId xmlns:p14="http://schemas.microsoft.com/office/powerpoint/2010/main" val="2719134008"/>
       </p:ext>
     </p:extLst>
   </p:cSld>
@@ -15292,7 +15268,7 @@
     </a:clrScheme>
     <a:fontScheme name="Office">
       <a:majorFont>
-        <a:latin typeface="맑은 고딕"/>
+        <a:latin typeface="맑은 고딕" panose="020F0302020204030204"/>
         <a:ea typeface=""/>
         <a:cs typeface=""/>
         <a:font script="Jpan" typeface="游ゴシック Light"/>
@@ -15344,7 +15320,7 @@
         <a:font script="Tfng" typeface="Ebrima"/>
       </a:majorFont>
       <a:minorFont>
-        <a:latin typeface="맑은 고딕"/>
+        <a:latin typeface="맑은 고딕" panose="020F0502020204030204"/>
         <a:ea typeface=""/>
         <a:cs typeface=""/>
         <a:font script="Jpan" typeface="游ゴシック"/>
@@ -15538,7 +15514,7 @@
   <a:extraClrSchemeLst/>
   <a:extLst>
     <a:ext uri="{05A4C25C-085E-4340-85A3-A5531E510DB2}">
-      <thm15:themeFamily xmlns:thm15="http://schemas.microsoft.com/office/thememl/2012/main" xmlns="" name="Office Theme" id="{62F939B6-93AF-4DB8-9C6B-D6C7DFDC589F}" vid="{4A3C46E8-61CC-4603-A589-7422A47A8E4A}"/>
+      <thm15:themeFamily xmlns:thm15="http://schemas.microsoft.com/office/thememl/2012/main" name="Office Theme" id="{62F939B6-93AF-4DB8-9C6B-D6C7DFDC589F}" vid="{4A3C46E8-61CC-4603-A589-7422A47A8E4A}"/>
     </a:ext>
   </a:extLst>
 </a:theme>
